--- a/Self-Supervised Approach to Facial Recognition.pptx
+++ b/Self-Supervised Approach to Facial Recognition.pptx
@@ -19,20 +19,22 @@
     <p:sldId id="264" r:id="rId14"/>
     <p:sldId id="265" r:id="rId15"/>
     <p:sldId id="266" r:id="rId16"/>
+    <p:sldId id="267" r:id="rId17"/>
+    <p:sldId id="268" r:id="rId18"/>
   </p:sldIdLst>
   <p:sldSz cy="5143500" cx="9144000"/>
   <p:notesSz cx="6858000" cy="9144000"/>
   <p:embeddedFontLst>
     <p:embeddedFont>
       <p:font typeface="Balthazar"/>
-      <p:regular r:id="rId17"/>
+      <p:regular r:id="rId19"/>
     </p:embeddedFont>
     <p:embeddedFont>
       <p:font typeface="Roboto Mono"/>
-      <p:regular r:id="rId18"/>
-      <p:bold r:id="rId19"/>
-      <p:italic r:id="rId20"/>
-      <p:boldItalic r:id="rId21"/>
+      <p:regular r:id="rId20"/>
+      <p:bold r:id="rId21"/>
+      <p:italic r:id="rId22"/>
+      <p:boldItalic r:id="rId23"/>
     </p:embeddedFont>
   </p:embeddedFontLst>
   <p:defaultTextStyle>
@@ -813,7 +815,7 @@
   <p:cSld>
     <p:spTree>
       <p:nvGrpSpPr>
-        <p:cNvPr id="157" name="Shape 157"/>
+        <p:cNvPr id="162" name="Shape 162"/>
         <p:cNvGrpSpPr/>
         <p:nvPr/>
       </p:nvGrpSpPr>
@@ -827,7 +829,7 @@
       </p:grpSpPr>
       <p:sp>
         <p:nvSpPr>
-          <p:cNvPr id="158" name="Google Shape;158;g310f4863110_0_168:notes"/>
+          <p:cNvPr id="163" name="Google Shape;163;g310f4863110_0_150:notes"/>
           <p:cNvSpPr/>
           <p:nvPr>
             <p:ph idx="2" type="sldImg"/>
@@ -862,7 +864,7 @@
       </p:sp>
       <p:sp>
         <p:nvSpPr>
-          <p:cNvPr id="159" name="Google Shape;159;g310f4863110_0_168:notes"/>
+          <p:cNvPr id="164" name="Google Shape;164;g310f4863110_0_150:notes"/>
           <p:cNvSpPr txBox="1"/>
           <p:nvPr>
             <p:ph idx="1" type="body"/>
@@ -912,7 +914,7 @@
   <p:cSld>
     <p:spTree>
       <p:nvGrpSpPr>
-        <p:cNvPr id="163" name="Shape 163"/>
+        <p:cNvPr id="168" name="Shape 168"/>
         <p:cNvGrpSpPr/>
         <p:nvPr/>
       </p:nvGrpSpPr>
@@ -926,7 +928,7 @@
       </p:grpSpPr>
       <p:sp>
         <p:nvSpPr>
-          <p:cNvPr id="164" name="Google Shape;164;g310f4863110_0_181:notes"/>
+          <p:cNvPr id="169" name="Google Shape;169;g310f4863110_0_141:notes"/>
           <p:cNvSpPr/>
           <p:nvPr>
             <p:ph idx="2" type="sldImg"/>
@@ -961,7 +963,205 @@
       </p:sp>
       <p:sp>
         <p:nvSpPr>
-          <p:cNvPr id="165" name="Google Shape;165;g310f4863110_0_181:notes"/>
+          <p:cNvPr id="170" name="Google Shape;170;g310f4863110_0_141:notes"/>
+          <p:cNvSpPr txBox="1"/>
+          <p:nvPr>
+            <p:ph idx="1" type="body"/>
+          </p:nvPr>
+        </p:nvSpPr>
+        <p:spPr>
+          <a:xfrm>
+            <a:off x="685800" y="4343400"/>
+            <a:ext cx="5486400" cy="4114800"/>
+          </a:xfrm>
+          <a:prstGeom prst="rect">
+            <a:avLst/>
+          </a:prstGeom>
+        </p:spPr>
+        <p:txBody>
+          <a:bodyPr anchorCtr="0" anchor="t" bIns="91425" lIns="91425" spcFirstLastPara="1" rIns="91425" wrap="square" tIns="91425">
+            <a:noAutofit/>
+          </a:bodyPr>
+          <a:lstStyle/>
+          <a:p>
+            <a:pPr indent="0" lvl="0" marL="0" rtl="0" algn="l">
+              <a:spcBef>
+                <a:spcPts val="0"/>
+              </a:spcBef>
+              <a:spcAft>
+                <a:spcPts val="0"/>
+              </a:spcAft>
+              <a:buNone/>
+            </a:pPr>
+            <a:r>
+              <a:t/>
+            </a:r>
+            <a:endParaRPr/>
+          </a:p>
+        </p:txBody>
+      </p:sp>
+    </p:spTree>
+  </p:cSld>
+  <p:clrMapOvr>
+    <a:masterClrMapping/>
+  </p:clrMapOvr>
+</p:notes>
+</file>
+
+<file path=ppt/notesSlides/notesSlide12.xml><?xml version="1.0" encoding="utf-8"?>
+<p:notes xmlns:a="http://schemas.openxmlformats.org/drawingml/2006/main" xmlns:r="http://schemas.openxmlformats.org/officeDocument/2006/relationships" xmlns:mc="http://schemas.openxmlformats.org/markup-compatibility/2006" xmlns:mv="urn:schemas-microsoft-com:mac:vml" xmlns:p="http://schemas.openxmlformats.org/presentationml/2006/main" xmlns:c="http://schemas.openxmlformats.org/drawingml/2006/chart" xmlns:dgm="http://schemas.openxmlformats.org/drawingml/2006/diagram" xmlns:o="urn:schemas-microsoft-com:office:office" xmlns:v="urn:schemas-microsoft-com:vml" xmlns:pvml="urn:schemas-microsoft-com:office:powerpoint" xmlns:com="http://schemas.openxmlformats.org/drawingml/2006/compatibility" xmlns:p14="http://schemas.microsoft.com/office/powerpoint/2010/main" xmlns:p15="http://schemas.microsoft.com/office/powerpoint/2012/main" xmlns:ahyp="http://schemas.microsoft.com/office/drawing/2018/hyperlinkcolor" showMasterPhAnim="0" showMasterSp="0">
+  <p:cSld>
+    <p:spTree>
+      <p:nvGrpSpPr>
+        <p:cNvPr id="174" name="Shape 174"/>
+        <p:cNvGrpSpPr/>
+        <p:nvPr/>
+      </p:nvGrpSpPr>
+      <p:grpSpPr>
+        <a:xfrm>
+          <a:off x="0" y="0"/>
+          <a:ext cx="0" cy="0"/>
+          <a:chOff x="0" y="0"/>
+          <a:chExt cx="0" cy="0"/>
+        </a:xfrm>
+      </p:grpSpPr>
+      <p:sp>
+        <p:nvSpPr>
+          <p:cNvPr id="175" name="Google Shape;175;g310f4863110_0_168:notes"/>
+          <p:cNvSpPr/>
+          <p:nvPr>
+            <p:ph idx="2" type="sldImg"/>
+          </p:nvPr>
+        </p:nvSpPr>
+        <p:spPr>
+          <a:xfrm>
+            <a:off x="381300" y="685800"/>
+            <a:ext cx="6096000" cy="3429000"/>
+          </a:xfrm>
+          <a:custGeom>
+            <a:rect b="b" l="l" r="r" t="t"/>
+            <a:pathLst>
+              <a:path extrusionOk="0" h="120000" w="120000">
+                <a:moveTo>
+                  <a:pt x="0" y="0"/>
+                </a:moveTo>
+                <a:lnTo>
+                  <a:pt x="120000" y="0"/>
+                </a:lnTo>
+                <a:lnTo>
+                  <a:pt x="120000" y="120000"/>
+                </a:lnTo>
+                <a:lnTo>
+                  <a:pt x="0" y="120000"/>
+                </a:lnTo>
+                <a:close/>
+              </a:path>
+            </a:pathLst>
+          </a:custGeom>
+        </p:spPr>
+      </p:sp>
+      <p:sp>
+        <p:nvSpPr>
+          <p:cNvPr id="176" name="Google Shape;176;g310f4863110_0_168:notes"/>
+          <p:cNvSpPr txBox="1"/>
+          <p:nvPr>
+            <p:ph idx="1" type="body"/>
+          </p:nvPr>
+        </p:nvSpPr>
+        <p:spPr>
+          <a:xfrm>
+            <a:off x="685800" y="4343400"/>
+            <a:ext cx="5486400" cy="4114800"/>
+          </a:xfrm>
+          <a:prstGeom prst="rect">
+            <a:avLst/>
+          </a:prstGeom>
+        </p:spPr>
+        <p:txBody>
+          <a:bodyPr anchorCtr="0" anchor="t" bIns="91425" lIns="91425" spcFirstLastPara="1" rIns="91425" wrap="square" tIns="91425">
+            <a:noAutofit/>
+          </a:bodyPr>
+          <a:lstStyle/>
+          <a:p>
+            <a:pPr indent="0" lvl="0" marL="0" rtl="0" algn="l">
+              <a:spcBef>
+                <a:spcPts val="0"/>
+              </a:spcBef>
+              <a:spcAft>
+                <a:spcPts val="0"/>
+              </a:spcAft>
+              <a:buNone/>
+            </a:pPr>
+            <a:r>
+              <a:t/>
+            </a:r>
+            <a:endParaRPr/>
+          </a:p>
+        </p:txBody>
+      </p:sp>
+    </p:spTree>
+  </p:cSld>
+  <p:clrMapOvr>
+    <a:masterClrMapping/>
+  </p:clrMapOvr>
+</p:notes>
+</file>
+
+<file path=ppt/notesSlides/notesSlide13.xml><?xml version="1.0" encoding="utf-8"?>
+<p:notes xmlns:a="http://schemas.openxmlformats.org/drawingml/2006/main" xmlns:r="http://schemas.openxmlformats.org/officeDocument/2006/relationships" xmlns:mc="http://schemas.openxmlformats.org/markup-compatibility/2006" xmlns:mv="urn:schemas-microsoft-com:mac:vml" xmlns:p="http://schemas.openxmlformats.org/presentationml/2006/main" xmlns:c="http://schemas.openxmlformats.org/drawingml/2006/chart" xmlns:dgm="http://schemas.openxmlformats.org/drawingml/2006/diagram" xmlns:o="urn:schemas-microsoft-com:office:office" xmlns:v="urn:schemas-microsoft-com:vml" xmlns:pvml="urn:schemas-microsoft-com:office:powerpoint" xmlns:com="http://schemas.openxmlformats.org/drawingml/2006/compatibility" xmlns:p14="http://schemas.microsoft.com/office/powerpoint/2010/main" xmlns:p15="http://schemas.microsoft.com/office/powerpoint/2012/main" xmlns:ahyp="http://schemas.microsoft.com/office/drawing/2018/hyperlinkcolor" showMasterPhAnim="0" showMasterSp="0">
+  <p:cSld>
+    <p:spTree>
+      <p:nvGrpSpPr>
+        <p:cNvPr id="180" name="Shape 180"/>
+        <p:cNvGrpSpPr/>
+        <p:nvPr/>
+      </p:nvGrpSpPr>
+      <p:grpSpPr>
+        <a:xfrm>
+          <a:off x="0" y="0"/>
+          <a:ext cx="0" cy="0"/>
+          <a:chOff x="0" y="0"/>
+          <a:chExt cx="0" cy="0"/>
+        </a:xfrm>
+      </p:grpSpPr>
+      <p:sp>
+        <p:nvSpPr>
+          <p:cNvPr id="181" name="Google Shape;181;g317110739f0_0_27:notes"/>
+          <p:cNvSpPr/>
+          <p:nvPr>
+            <p:ph idx="2" type="sldImg"/>
+          </p:nvPr>
+        </p:nvSpPr>
+        <p:spPr>
+          <a:xfrm>
+            <a:off x="381300" y="685800"/>
+            <a:ext cx="6096000" cy="3429000"/>
+          </a:xfrm>
+          <a:custGeom>
+            <a:rect b="b" l="l" r="r" t="t"/>
+            <a:pathLst>
+              <a:path extrusionOk="0" h="120000" w="120000">
+                <a:moveTo>
+                  <a:pt x="0" y="0"/>
+                </a:moveTo>
+                <a:lnTo>
+                  <a:pt x="120000" y="0"/>
+                </a:lnTo>
+                <a:lnTo>
+                  <a:pt x="120000" y="120000"/>
+                </a:lnTo>
+                <a:lnTo>
+                  <a:pt x="0" y="120000"/>
+                </a:lnTo>
+                <a:close/>
+              </a:path>
+            </a:pathLst>
+          </a:custGeom>
+        </p:spPr>
+      </p:sp>
+      <p:sp>
+        <p:nvSpPr>
+          <p:cNvPr id="182" name="Google Shape;182;g317110739f0_0_27:notes"/>
           <p:cNvSpPr txBox="1"/>
           <p:nvPr>
             <p:ph idx="1" type="body"/>
@@ -1407,7 +1607,7 @@
   <p:cSld>
     <p:spTree>
       <p:nvGrpSpPr>
-        <p:cNvPr id="131" name="Shape 131"/>
+        <p:cNvPr id="133" name="Shape 133"/>
         <p:cNvGrpSpPr/>
         <p:nvPr/>
       </p:nvGrpSpPr>
@@ -1421,7 +1621,7 @@
       </p:grpSpPr>
       <p:sp>
         <p:nvSpPr>
-          <p:cNvPr id="132" name="Google Shape;132;g310f4863110_0_131:notes"/>
+          <p:cNvPr id="134" name="Google Shape;134;g317110739f0_0_8:notes"/>
           <p:cNvSpPr/>
           <p:nvPr>
             <p:ph idx="2" type="sldImg"/>
@@ -1456,7 +1656,7 @@
       </p:sp>
       <p:sp>
         <p:nvSpPr>
-          <p:cNvPr id="133" name="Google Shape;133;g310f4863110_0_131:notes"/>
+          <p:cNvPr id="135" name="Google Shape;135;g317110739f0_0_8:notes"/>
           <p:cNvSpPr txBox="1"/>
           <p:nvPr>
             <p:ph idx="1" type="body"/>
@@ -1506,7 +1706,7 @@
   <p:cSld>
     <p:spTree>
       <p:nvGrpSpPr>
-        <p:cNvPr id="138" name="Shape 138"/>
+        <p:cNvPr id="140" name="Shape 140"/>
         <p:cNvGrpSpPr/>
         <p:nvPr/>
       </p:nvGrpSpPr>
@@ -1520,7 +1720,7 @@
       </p:grpSpPr>
       <p:sp>
         <p:nvSpPr>
-          <p:cNvPr id="139" name="Google Shape;139;g310f4863110_0_136:notes"/>
+          <p:cNvPr id="141" name="Google Shape;141;g310f4863110_0_131:notes"/>
           <p:cNvSpPr/>
           <p:nvPr>
             <p:ph idx="2" type="sldImg"/>
@@ -1555,7 +1755,7 @@
       </p:sp>
       <p:sp>
         <p:nvSpPr>
-          <p:cNvPr id="140" name="Google Shape;140;g310f4863110_0_136:notes"/>
+          <p:cNvPr id="142" name="Google Shape;142;g310f4863110_0_131:notes"/>
           <p:cNvSpPr txBox="1"/>
           <p:nvPr>
             <p:ph idx="1" type="body"/>
@@ -1605,7 +1805,7 @@
   <p:cSld>
     <p:spTree>
       <p:nvGrpSpPr>
-        <p:cNvPr id="145" name="Shape 145"/>
+        <p:cNvPr id="147" name="Shape 147"/>
         <p:cNvGrpSpPr/>
         <p:nvPr/>
       </p:nvGrpSpPr>
@@ -1619,7 +1819,7 @@
       </p:grpSpPr>
       <p:sp>
         <p:nvSpPr>
-          <p:cNvPr id="146" name="Google Shape;146;g310f4863110_0_150:notes"/>
+          <p:cNvPr id="148" name="Google Shape;148;g310f4863110_0_136:notes"/>
           <p:cNvSpPr/>
           <p:nvPr>
             <p:ph idx="2" type="sldImg"/>
@@ -1654,7 +1854,7 @@
       </p:sp>
       <p:sp>
         <p:nvSpPr>
-          <p:cNvPr id="147" name="Google Shape;147;g310f4863110_0_150:notes"/>
+          <p:cNvPr id="149" name="Google Shape;149;g310f4863110_0_136:notes"/>
           <p:cNvSpPr txBox="1"/>
           <p:nvPr>
             <p:ph idx="1" type="body"/>
@@ -1704,7 +1904,7 @@
   <p:cSld>
     <p:spTree>
       <p:nvGrpSpPr>
-        <p:cNvPr id="151" name="Shape 151"/>
+        <p:cNvPr id="154" name="Shape 154"/>
         <p:cNvGrpSpPr/>
         <p:nvPr/>
       </p:nvGrpSpPr>
@@ -1718,7 +1918,7 @@
       </p:grpSpPr>
       <p:sp>
         <p:nvSpPr>
-          <p:cNvPr id="152" name="Google Shape;152;g310f4863110_0_141:notes"/>
+          <p:cNvPr id="155" name="Google Shape;155;g317110739f0_0_0:notes"/>
           <p:cNvSpPr/>
           <p:nvPr>
             <p:ph idx="2" type="sldImg"/>
@@ -1753,7 +1953,7 @@
       </p:sp>
       <p:sp>
         <p:nvSpPr>
-          <p:cNvPr id="153" name="Google Shape;153;g310f4863110_0_141:notes"/>
+          <p:cNvPr id="156" name="Google Shape;156;g317110739f0_0_0:notes"/>
           <p:cNvSpPr txBox="1"/>
           <p:nvPr>
             <p:ph idx="1" type="body"/>
@@ -13427,7 +13627,7 @@
   <p:cSld>
     <p:spTree>
       <p:nvGrpSpPr>
-        <p:cNvPr id="160" name="Shape 160"/>
+        <p:cNvPr id="165" name="Shape 165"/>
         <p:cNvGrpSpPr/>
         <p:nvPr/>
       </p:nvGrpSpPr>
@@ -13441,7 +13641,7 @@
       </p:grpSpPr>
       <p:sp>
         <p:nvSpPr>
-          <p:cNvPr id="161" name="Google Shape;161;p25"/>
+          <p:cNvPr id="166" name="Google Shape;166;p25"/>
           <p:cNvSpPr txBox="1"/>
           <p:nvPr>
             <p:ph type="title"/>
@@ -13472,16 +13672,16 @@
               <a:buNone/>
             </a:pPr>
             <a:r>
-              <a:rPr lang="en"/>
-              <a:t>References</a:t>
+              <a:rPr lang="en" sz="3000"/>
+              <a:t>Saving, Loading, and Utilizing the Model</a:t>
             </a:r>
-            <a:endParaRPr/>
+            <a:endParaRPr sz="3000"/>
           </a:p>
         </p:txBody>
       </p:sp>
       <p:sp>
         <p:nvSpPr>
-          <p:cNvPr id="162" name="Google Shape;162;p25"/>
+          <p:cNvPr id="167" name="Google Shape;167;p25"/>
           <p:cNvSpPr txBox="1"/>
           <p:nvPr>
             <p:ph idx="1" type="body"/>
@@ -13499,6 +13699,628 @@
         <p:txBody>
           <a:bodyPr anchorCtr="0" anchor="t" bIns="45700" lIns="91425" spcFirstLastPara="1" rIns="91425" wrap="square" tIns="45700">
             <a:normAutofit/>
+          </a:bodyPr>
+          <a:lstStyle/>
+          <a:p>
+            <a:pPr indent="0" lvl="0" marL="0" rtl="0" algn="l">
+              <a:lnSpc>
+                <a:spcPct val="115000"/>
+              </a:lnSpc>
+              <a:spcBef>
+                <a:spcPts val="1200"/>
+              </a:spcBef>
+              <a:spcAft>
+                <a:spcPts val="0"/>
+              </a:spcAft>
+              <a:buNone/>
+            </a:pPr>
+            <a:r>
+              <a:t/>
+            </a:r>
+            <a:endParaRPr b="1" sz="1600">
+              <a:latin typeface="Arial"/>
+              <a:ea typeface="Arial"/>
+              <a:cs typeface="Arial"/>
+              <a:sym typeface="Arial"/>
+            </a:endParaRPr>
+          </a:p>
+          <a:p>
+            <a:pPr indent="0" lvl="0" marL="0" rtl="0" algn="l">
+              <a:lnSpc>
+                <a:spcPct val="115000"/>
+              </a:lnSpc>
+              <a:spcBef>
+                <a:spcPts val="1200"/>
+              </a:spcBef>
+              <a:spcAft>
+                <a:spcPts val="0"/>
+              </a:spcAft>
+              <a:buNone/>
+            </a:pPr>
+            <a:r>
+              <a:rPr b="1" lang="en" sz="1600">
+                <a:latin typeface="Arial"/>
+                <a:ea typeface="Arial"/>
+                <a:cs typeface="Arial"/>
+                <a:sym typeface="Arial"/>
+              </a:rPr>
+              <a:t>Model Saving</a:t>
+            </a:r>
+            <a:r>
+              <a:rPr lang="en" sz="1600">
+                <a:latin typeface="Arial"/>
+                <a:ea typeface="Arial"/>
+                <a:cs typeface="Arial"/>
+                <a:sym typeface="Arial"/>
+              </a:rPr>
+              <a:t>: The trained model is saved as a </a:t>
+            </a:r>
+            <a:r>
+              <a:rPr lang="en" sz="1600">
+                <a:solidFill>
+                  <a:srgbClr val="188038"/>
+                </a:solidFill>
+                <a:latin typeface="Roboto Mono"/>
+                <a:ea typeface="Roboto Mono"/>
+                <a:cs typeface="Roboto Mono"/>
+                <a:sym typeface="Roboto Mono"/>
+              </a:rPr>
+              <a:t>.pkl</a:t>
+            </a:r>
+            <a:r>
+              <a:rPr lang="en" sz="1600">
+                <a:latin typeface="Arial"/>
+                <a:ea typeface="Arial"/>
+                <a:cs typeface="Arial"/>
+                <a:sym typeface="Arial"/>
+              </a:rPr>
+              <a:t> file, allowing for easy reusability.</a:t>
+            </a:r>
+            <a:endParaRPr sz="1600">
+              <a:latin typeface="Arial"/>
+              <a:ea typeface="Arial"/>
+              <a:cs typeface="Arial"/>
+              <a:sym typeface="Arial"/>
+            </a:endParaRPr>
+          </a:p>
+          <a:p>
+            <a:pPr indent="0" lvl="0" marL="0" rtl="0" algn="l">
+              <a:lnSpc>
+                <a:spcPct val="115000"/>
+              </a:lnSpc>
+              <a:spcBef>
+                <a:spcPts val="1200"/>
+              </a:spcBef>
+              <a:spcAft>
+                <a:spcPts val="0"/>
+              </a:spcAft>
+              <a:buNone/>
+            </a:pPr>
+            <a:r>
+              <a:t/>
+            </a:r>
+            <a:endParaRPr sz="1600">
+              <a:latin typeface="Arial"/>
+              <a:ea typeface="Arial"/>
+              <a:cs typeface="Arial"/>
+              <a:sym typeface="Arial"/>
+            </a:endParaRPr>
+          </a:p>
+          <a:p>
+            <a:pPr indent="0" lvl="0" marL="0" rtl="0" algn="l">
+              <a:lnSpc>
+                <a:spcPct val="115000"/>
+              </a:lnSpc>
+              <a:spcBef>
+                <a:spcPts val="1200"/>
+              </a:spcBef>
+              <a:spcAft>
+                <a:spcPts val="0"/>
+              </a:spcAft>
+              <a:buNone/>
+            </a:pPr>
+            <a:r>
+              <a:rPr b="1" lang="en" sz="1600">
+                <a:latin typeface="Arial"/>
+                <a:ea typeface="Arial"/>
+                <a:cs typeface="Arial"/>
+                <a:sym typeface="Arial"/>
+              </a:rPr>
+              <a:t>Benefit</a:t>
+            </a:r>
+            <a:r>
+              <a:rPr lang="en" sz="1600">
+                <a:latin typeface="Arial"/>
+                <a:ea typeface="Arial"/>
+                <a:cs typeface="Arial"/>
+                <a:sym typeface="Arial"/>
+              </a:rPr>
+              <a:t>: Simplifies loading for further testing or deployment, making the model accessible for future use.</a:t>
+            </a:r>
+            <a:endParaRPr sz="1600">
+              <a:latin typeface="Arial"/>
+              <a:ea typeface="Arial"/>
+              <a:cs typeface="Arial"/>
+              <a:sym typeface="Arial"/>
+            </a:endParaRPr>
+          </a:p>
+          <a:p>
+            <a:pPr indent="0" lvl="0" marL="0" rtl="0" algn="l">
+              <a:lnSpc>
+                <a:spcPct val="115000"/>
+              </a:lnSpc>
+              <a:spcBef>
+                <a:spcPts val="1200"/>
+              </a:spcBef>
+              <a:spcAft>
+                <a:spcPts val="0"/>
+              </a:spcAft>
+              <a:buNone/>
+            </a:pPr>
+            <a:r>
+              <a:t/>
+            </a:r>
+            <a:endParaRPr sz="1600">
+              <a:latin typeface="Arial"/>
+              <a:ea typeface="Arial"/>
+              <a:cs typeface="Arial"/>
+              <a:sym typeface="Arial"/>
+            </a:endParaRPr>
+          </a:p>
+          <a:p>
+            <a:pPr indent="0" lvl="0" marL="0" rtl="0" algn="l">
+              <a:lnSpc>
+                <a:spcPct val="115000"/>
+              </a:lnSpc>
+              <a:spcBef>
+                <a:spcPts val="1200"/>
+              </a:spcBef>
+              <a:spcAft>
+                <a:spcPts val="1200"/>
+              </a:spcAft>
+              <a:buNone/>
+            </a:pPr>
+            <a:r>
+              <a:rPr b="1" lang="en" sz="1600">
+                <a:latin typeface="Arial"/>
+                <a:ea typeface="Arial"/>
+                <a:cs typeface="Arial"/>
+                <a:sym typeface="Arial"/>
+              </a:rPr>
+              <a:t>Prediction</a:t>
+            </a:r>
+            <a:r>
+              <a:rPr lang="en" sz="1600">
+                <a:latin typeface="Arial"/>
+                <a:ea typeface="Arial"/>
+                <a:cs typeface="Arial"/>
+                <a:sym typeface="Arial"/>
+              </a:rPr>
+              <a:t>: Once loaded, the model can be used to predict labels for new face images, enabling validation on unseen data.</a:t>
+            </a:r>
+            <a:endParaRPr sz="1100">
+              <a:latin typeface="Arial"/>
+              <a:ea typeface="Arial"/>
+              <a:cs typeface="Arial"/>
+              <a:sym typeface="Arial"/>
+            </a:endParaRPr>
+          </a:p>
+        </p:txBody>
+      </p:sp>
+    </p:spTree>
+  </p:cSld>
+  <p:clrMapOvr>
+    <a:masterClrMapping/>
+  </p:clrMapOvr>
+</p:sld>
+</file>
+
+<file path=ppt/slides/slide11.xml><?xml version="1.0" encoding="utf-8"?>
+<p:sld xmlns:a="http://schemas.openxmlformats.org/drawingml/2006/main" xmlns:r="http://schemas.openxmlformats.org/officeDocument/2006/relationships" xmlns:mc="http://schemas.openxmlformats.org/markup-compatibility/2006" xmlns:mv="urn:schemas-microsoft-com:mac:vml" xmlns:p="http://schemas.openxmlformats.org/presentationml/2006/main" xmlns:c="http://schemas.openxmlformats.org/drawingml/2006/chart" xmlns:dgm="http://schemas.openxmlformats.org/drawingml/2006/diagram" xmlns:o="urn:schemas-microsoft-com:office:office" xmlns:v="urn:schemas-microsoft-com:vml" xmlns:pvml="urn:schemas-microsoft-com:office:powerpoint" xmlns:com="http://schemas.openxmlformats.org/drawingml/2006/compatibility" xmlns:p14="http://schemas.microsoft.com/office/powerpoint/2010/main" xmlns:p15="http://schemas.microsoft.com/office/powerpoint/2012/main" xmlns:ahyp="http://schemas.microsoft.com/office/drawing/2018/hyperlinkcolor">
+  <p:cSld>
+    <p:spTree>
+      <p:nvGrpSpPr>
+        <p:cNvPr id="171" name="Shape 171"/>
+        <p:cNvGrpSpPr/>
+        <p:nvPr/>
+      </p:nvGrpSpPr>
+      <p:grpSpPr>
+        <a:xfrm>
+          <a:off x="0" y="0"/>
+          <a:ext cx="0" cy="0"/>
+          <a:chOff x="0" y="0"/>
+          <a:chExt cx="0" cy="0"/>
+        </a:xfrm>
+      </p:grpSpPr>
+      <p:sp>
+        <p:nvSpPr>
+          <p:cNvPr id="172" name="Google Shape;172;p26"/>
+          <p:cNvSpPr txBox="1"/>
+          <p:nvPr>
+            <p:ph type="title"/>
+          </p:nvPr>
+        </p:nvSpPr>
+        <p:spPr>
+          <a:xfrm>
+            <a:off x="457200" y="190073"/>
+            <a:ext cx="8229600" cy="561000"/>
+          </a:xfrm>
+          <a:prstGeom prst="rect">
+            <a:avLst/>
+          </a:prstGeom>
+        </p:spPr>
+        <p:txBody>
+          <a:bodyPr anchorCtr="0" anchor="ctr" bIns="45700" lIns="91425" spcFirstLastPara="1" rIns="91425" wrap="square" tIns="45700">
+            <a:noAutofit/>
+          </a:bodyPr>
+          <a:lstStyle/>
+          <a:p>
+            <a:pPr indent="0" lvl="0" marL="0" rtl="0" algn="l">
+              <a:spcBef>
+                <a:spcPts val="0"/>
+              </a:spcBef>
+              <a:spcAft>
+                <a:spcPts val="0"/>
+              </a:spcAft>
+              <a:buNone/>
+            </a:pPr>
+            <a:r>
+              <a:rPr lang="en" sz="3000"/>
+              <a:t>Future Directions</a:t>
+            </a:r>
+            <a:endParaRPr sz="3000"/>
+          </a:p>
+        </p:txBody>
+      </p:sp>
+      <p:sp>
+        <p:nvSpPr>
+          <p:cNvPr id="173" name="Google Shape;173;p26"/>
+          <p:cNvSpPr txBox="1"/>
+          <p:nvPr>
+            <p:ph idx="1" type="body"/>
+          </p:nvPr>
+        </p:nvSpPr>
+        <p:spPr>
+          <a:xfrm>
+            <a:off x="457200" y="843558"/>
+            <a:ext cx="8229600" cy="3751200"/>
+          </a:xfrm>
+          <a:prstGeom prst="rect">
+            <a:avLst/>
+          </a:prstGeom>
+        </p:spPr>
+        <p:txBody>
+          <a:bodyPr anchorCtr="0" anchor="t" bIns="45700" lIns="91425" spcFirstLastPara="1" rIns="91425" wrap="square" tIns="45700">
+            <a:normAutofit lnSpcReduction="10000"/>
+          </a:bodyPr>
+          <a:lstStyle/>
+          <a:p>
+            <a:pPr indent="0" lvl="0" marL="0" rtl="0" algn="l">
+              <a:spcBef>
+                <a:spcPts val="360"/>
+              </a:spcBef>
+              <a:spcAft>
+                <a:spcPts val="0"/>
+              </a:spcAft>
+              <a:buNone/>
+            </a:pPr>
+            <a:r>
+              <a:t/>
+            </a:r>
+            <a:endParaRPr b="1" sz="1600">
+              <a:latin typeface="Arial"/>
+              <a:ea typeface="Arial"/>
+              <a:cs typeface="Arial"/>
+              <a:sym typeface="Arial"/>
+            </a:endParaRPr>
+          </a:p>
+          <a:p>
+            <a:pPr indent="0" lvl="0" marL="0" rtl="0" algn="l">
+              <a:spcBef>
+                <a:spcPts val="360"/>
+              </a:spcBef>
+              <a:spcAft>
+                <a:spcPts val="0"/>
+              </a:spcAft>
+              <a:buNone/>
+            </a:pPr>
+            <a:r>
+              <a:rPr b="1" lang="en" sz="1600">
+                <a:latin typeface="Arial"/>
+                <a:ea typeface="Arial"/>
+                <a:cs typeface="Arial"/>
+                <a:sym typeface="Arial"/>
+              </a:rPr>
+              <a:t>Larger Datasets</a:t>
+            </a:r>
+            <a:r>
+              <a:rPr lang="en" sz="1600">
+                <a:latin typeface="Arial"/>
+                <a:ea typeface="Arial"/>
+                <a:cs typeface="Arial"/>
+                <a:sym typeface="Arial"/>
+              </a:rPr>
+              <a:t>: Test the model on a wider range of data to improve generalizability and robustness. Incorporate larger datasets for training during the unsupervised phase to enhance feature learning.</a:t>
+            </a:r>
+            <a:endParaRPr sz="1600">
+              <a:latin typeface="Arial"/>
+              <a:ea typeface="Arial"/>
+              <a:cs typeface="Arial"/>
+              <a:sym typeface="Arial"/>
+            </a:endParaRPr>
+          </a:p>
+          <a:p>
+            <a:pPr indent="0" lvl="0" marL="0" rtl="0" algn="l">
+              <a:spcBef>
+                <a:spcPts val="360"/>
+              </a:spcBef>
+              <a:spcAft>
+                <a:spcPts val="0"/>
+              </a:spcAft>
+              <a:buNone/>
+            </a:pPr>
+            <a:r>
+              <a:t/>
+            </a:r>
+            <a:endParaRPr sz="1600">
+              <a:latin typeface="Arial"/>
+              <a:ea typeface="Arial"/>
+              <a:cs typeface="Arial"/>
+              <a:sym typeface="Arial"/>
+            </a:endParaRPr>
+          </a:p>
+          <a:p>
+            <a:pPr indent="0" lvl="0" marL="0" rtl="0" algn="l">
+              <a:spcBef>
+                <a:spcPts val="360"/>
+              </a:spcBef>
+              <a:spcAft>
+                <a:spcPts val="0"/>
+              </a:spcAft>
+              <a:buNone/>
+            </a:pPr>
+            <a:r>
+              <a:rPr b="1" lang="en" sz="1600">
+                <a:latin typeface="Arial"/>
+                <a:ea typeface="Arial"/>
+                <a:cs typeface="Arial"/>
+                <a:sym typeface="Arial"/>
+              </a:rPr>
+              <a:t>Hyperparameter Tuning</a:t>
+            </a:r>
+            <a:r>
+              <a:rPr lang="en" sz="1600">
+                <a:latin typeface="Arial"/>
+                <a:ea typeface="Arial"/>
+                <a:cs typeface="Arial"/>
+                <a:sym typeface="Arial"/>
+              </a:rPr>
+              <a:t>: Optimize hyperparameters such as learning rates, batch sizes, and architecture choices to improve model performance.</a:t>
+            </a:r>
+            <a:endParaRPr sz="1600">
+              <a:latin typeface="Arial"/>
+              <a:ea typeface="Arial"/>
+              <a:cs typeface="Arial"/>
+              <a:sym typeface="Arial"/>
+            </a:endParaRPr>
+          </a:p>
+          <a:p>
+            <a:pPr indent="0" lvl="0" marL="0" rtl="0" algn="l">
+              <a:spcBef>
+                <a:spcPts val="360"/>
+              </a:spcBef>
+              <a:spcAft>
+                <a:spcPts val="0"/>
+              </a:spcAft>
+              <a:buNone/>
+            </a:pPr>
+            <a:r>
+              <a:t/>
+            </a:r>
+            <a:endParaRPr sz="1600">
+              <a:latin typeface="Arial"/>
+              <a:ea typeface="Arial"/>
+              <a:cs typeface="Arial"/>
+              <a:sym typeface="Arial"/>
+            </a:endParaRPr>
+          </a:p>
+          <a:p>
+            <a:pPr indent="0" lvl="0" marL="0" rtl="0" algn="l">
+              <a:spcBef>
+                <a:spcPts val="360"/>
+              </a:spcBef>
+              <a:spcAft>
+                <a:spcPts val="0"/>
+              </a:spcAft>
+              <a:buNone/>
+            </a:pPr>
+            <a:r>
+              <a:rPr b="1" lang="en" sz="1600">
+                <a:latin typeface="Arial"/>
+                <a:ea typeface="Arial"/>
+                <a:cs typeface="Arial"/>
+                <a:sym typeface="Arial"/>
+              </a:rPr>
+              <a:t>Alternative SSL Approaches</a:t>
+            </a:r>
+            <a:r>
+              <a:rPr lang="en" sz="1600">
+                <a:latin typeface="Arial"/>
+                <a:ea typeface="Arial"/>
+                <a:cs typeface="Arial"/>
+                <a:sym typeface="Arial"/>
+              </a:rPr>
+              <a:t>: Experiment with methods like contrastive learning and other self-supervised techniques to enhance feature extraction and representation.</a:t>
+            </a:r>
+            <a:endParaRPr sz="1600">
+              <a:latin typeface="Arial"/>
+              <a:ea typeface="Arial"/>
+              <a:cs typeface="Arial"/>
+              <a:sym typeface="Arial"/>
+            </a:endParaRPr>
+          </a:p>
+          <a:p>
+            <a:pPr indent="0" lvl="0" marL="0" rtl="0" algn="l">
+              <a:spcBef>
+                <a:spcPts val="360"/>
+              </a:spcBef>
+              <a:spcAft>
+                <a:spcPts val="0"/>
+              </a:spcAft>
+              <a:buNone/>
+            </a:pPr>
+            <a:r>
+              <a:t/>
+            </a:r>
+            <a:endParaRPr sz="1600">
+              <a:latin typeface="Arial"/>
+              <a:ea typeface="Arial"/>
+              <a:cs typeface="Arial"/>
+              <a:sym typeface="Arial"/>
+            </a:endParaRPr>
+          </a:p>
+          <a:p>
+            <a:pPr indent="0" lvl="0" marL="0" rtl="0" algn="l">
+              <a:spcBef>
+                <a:spcPts val="360"/>
+              </a:spcBef>
+              <a:spcAft>
+                <a:spcPts val="0"/>
+              </a:spcAft>
+              <a:buNone/>
+            </a:pPr>
+            <a:r>
+              <a:rPr b="1" lang="en" sz="1600">
+                <a:latin typeface="Arial"/>
+                <a:ea typeface="Arial"/>
+                <a:cs typeface="Arial"/>
+                <a:sym typeface="Arial"/>
+              </a:rPr>
+              <a:t>Real-Time Applications</a:t>
+            </a:r>
+            <a:r>
+              <a:rPr lang="en" sz="1600">
+                <a:latin typeface="Arial"/>
+                <a:ea typeface="Arial"/>
+                <a:cs typeface="Arial"/>
+                <a:sym typeface="Arial"/>
+              </a:rPr>
+              <a:t>: Extend the model for real-time face recognition, integrating it into interactive or live systems for immediate feedback.</a:t>
+            </a:r>
+            <a:endParaRPr sz="1600">
+              <a:latin typeface="Arial"/>
+              <a:ea typeface="Arial"/>
+              <a:cs typeface="Arial"/>
+              <a:sym typeface="Arial"/>
+            </a:endParaRPr>
+          </a:p>
+          <a:p>
+            <a:pPr indent="0" lvl="0" marL="0" rtl="0" algn="l">
+              <a:spcBef>
+                <a:spcPts val="360"/>
+              </a:spcBef>
+              <a:spcAft>
+                <a:spcPts val="0"/>
+              </a:spcAft>
+              <a:buNone/>
+            </a:pPr>
+            <a:r>
+              <a:t/>
+            </a:r>
+            <a:endParaRPr b="1" sz="1100">
+              <a:latin typeface="Arial"/>
+              <a:ea typeface="Arial"/>
+              <a:cs typeface="Arial"/>
+              <a:sym typeface="Arial"/>
+            </a:endParaRPr>
+          </a:p>
+        </p:txBody>
+      </p:sp>
+    </p:spTree>
+  </p:cSld>
+  <p:clrMapOvr>
+    <a:masterClrMapping/>
+  </p:clrMapOvr>
+</p:sld>
+</file>
+
+<file path=ppt/slides/slide12.xml><?xml version="1.0" encoding="utf-8"?>
+<p:sld xmlns:a="http://schemas.openxmlformats.org/drawingml/2006/main" xmlns:r="http://schemas.openxmlformats.org/officeDocument/2006/relationships" xmlns:mc="http://schemas.openxmlformats.org/markup-compatibility/2006" xmlns:mv="urn:schemas-microsoft-com:mac:vml" xmlns:p="http://schemas.openxmlformats.org/presentationml/2006/main" xmlns:c="http://schemas.openxmlformats.org/drawingml/2006/chart" xmlns:dgm="http://schemas.openxmlformats.org/drawingml/2006/diagram" xmlns:o="urn:schemas-microsoft-com:office:office" xmlns:v="urn:schemas-microsoft-com:vml" xmlns:pvml="urn:schemas-microsoft-com:office:powerpoint" xmlns:com="http://schemas.openxmlformats.org/drawingml/2006/compatibility" xmlns:p14="http://schemas.microsoft.com/office/powerpoint/2010/main" xmlns:p15="http://schemas.microsoft.com/office/powerpoint/2012/main" xmlns:ahyp="http://schemas.microsoft.com/office/drawing/2018/hyperlinkcolor">
+  <p:cSld>
+    <p:spTree>
+      <p:nvGrpSpPr>
+        <p:cNvPr id="177" name="Shape 177"/>
+        <p:cNvGrpSpPr/>
+        <p:nvPr/>
+      </p:nvGrpSpPr>
+      <p:grpSpPr>
+        <a:xfrm>
+          <a:off x="0" y="0"/>
+          <a:ext cx="0" cy="0"/>
+          <a:chOff x="0" y="0"/>
+          <a:chExt cx="0" cy="0"/>
+        </a:xfrm>
+      </p:grpSpPr>
+      <p:sp>
+        <p:nvSpPr>
+          <p:cNvPr id="178" name="Google Shape;178;p27"/>
+          <p:cNvSpPr txBox="1"/>
+          <p:nvPr>
+            <p:ph type="title"/>
+          </p:nvPr>
+        </p:nvSpPr>
+        <p:spPr>
+          <a:xfrm>
+            <a:off x="457200" y="190073"/>
+            <a:ext cx="8229600" cy="561000"/>
+          </a:xfrm>
+          <a:prstGeom prst="rect">
+            <a:avLst/>
+          </a:prstGeom>
+        </p:spPr>
+        <p:txBody>
+          <a:bodyPr anchorCtr="0" anchor="ctr" bIns="45700" lIns="91425" spcFirstLastPara="1" rIns="91425" wrap="square" tIns="45700">
+            <a:noAutofit/>
+          </a:bodyPr>
+          <a:lstStyle/>
+          <a:p>
+            <a:pPr indent="0" lvl="0" marL="0" rtl="0" algn="l">
+              <a:spcBef>
+                <a:spcPts val="0"/>
+              </a:spcBef>
+              <a:spcAft>
+                <a:spcPts val="0"/>
+              </a:spcAft>
+              <a:buNone/>
+            </a:pPr>
+            <a:r>
+              <a:rPr lang="en" sz="3000"/>
+              <a:t>References</a:t>
+            </a:r>
+            <a:endParaRPr sz="3000"/>
+          </a:p>
+        </p:txBody>
+      </p:sp>
+      <p:sp>
+        <p:nvSpPr>
+          <p:cNvPr id="179" name="Google Shape;179;p27"/>
+          <p:cNvSpPr txBox="1"/>
+          <p:nvPr>
+            <p:ph idx="1" type="body"/>
+          </p:nvPr>
+        </p:nvSpPr>
+        <p:spPr>
+          <a:xfrm>
+            <a:off x="457200" y="843558"/>
+            <a:ext cx="8229600" cy="3751200"/>
+          </a:xfrm>
+          <a:prstGeom prst="rect">
+            <a:avLst/>
+          </a:prstGeom>
+        </p:spPr>
+        <p:txBody>
+          <a:bodyPr anchorCtr="0" anchor="t" bIns="45700" lIns="91425" spcFirstLastPara="1" rIns="91425" wrap="square" tIns="45700">
+            <a:noAutofit/>
           </a:bodyPr>
           <a:lstStyle/>
           <a:p>
@@ -13959,7 +14781,7 @@
               </a:rPr>
               <a:t>Comprehensive resources on model saving/loading and deployment can be found at PyTorch Documentation.</a:t>
             </a:r>
-            <a:endParaRPr/>
+            <a:endParaRPr sz="1100"/>
           </a:p>
         </p:txBody>
       </p:sp>
@@ -13971,12 +14793,12 @@
 </p:sld>
 </file>
 
-<file path=ppt/slides/slide11.xml><?xml version="1.0" encoding="utf-8"?>
+<file path=ppt/slides/slide13.xml><?xml version="1.0" encoding="utf-8"?>
 <p:sld xmlns:a="http://schemas.openxmlformats.org/drawingml/2006/main" xmlns:r="http://schemas.openxmlformats.org/officeDocument/2006/relationships" xmlns:mc="http://schemas.openxmlformats.org/markup-compatibility/2006" xmlns:mv="urn:schemas-microsoft-com:mac:vml" xmlns:p="http://schemas.openxmlformats.org/presentationml/2006/main" xmlns:c="http://schemas.openxmlformats.org/drawingml/2006/chart" xmlns:dgm="http://schemas.openxmlformats.org/drawingml/2006/diagram" xmlns:o="urn:schemas-microsoft-com:office:office" xmlns:v="urn:schemas-microsoft-com:vml" xmlns:pvml="urn:schemas-microsoft-com:office:powerpoint" xmlns:com="http://schemas.openxmlformats.org/drawingml/2006/compatibility" xmlns:p14="http://schemas.microsoft.com/office/powerpoint/2010/main" xmlns:p15="http://schemas.microsoft.com/office/powerpoint/2012/main" xmlns:ahyp="http://schemas.microsoft.com/office/drawing/2018/hyperlinkcolor">
   <p:cSld>
     <p:spTree>
       <p:nvGrpSpPr>
-        <p:cNvPr id="166" name="Shape 166"/>
+        <p:cNvPr id="183" name="Shape 183"/>
         <p:cNvGrpSpPr/>
         <p:nvPr/>
       </p:nvGrpSpPr>
@@ -13990,7 +14812,7 @@
       </p:grpSpPr>
       <p:sp>
         <p:nvSpPr>
-          <p:cNvPr id="167" name="Google Shape;167;p26"/>
+          <p:cNvPr id="184" name="Google Shape;184;p28"/>
           <p:cNvSpPr txBox="1"/>
           <p:nvPr>
             <p:ph type="ctrTitle"/>
@@ -14022,7 +14844,7 @@
             </a:pPr>
             <a:r>
               <a:rPr lang="en" sz="5000"/>
-              <a:t>Thank You!</a:t>
+              <a:t>Thank you!</a:t>
             </a:r>
             <a:endParaRPr sz="5000"/>
           </a:p>
@@ -14030,7 +14852,61 @@
       </p:sp>
       <p:sp>
         <p:nvSpPr>
-          <p:cNvPr id="168" name="Google Shape;168;p26"/>
+          <p:cNvPr id="185" name="Google Shape;185;p28"/>
+          <p:cNvSpPr txBox="1"/>
+          <p:nvPr>
+            <p:ph idx="1" type="subTitle"/>
+          </p:nvPr>
+        </p:nvSpPr>
+        <p:spPr>
+          <a:xfrm>
+            <a:off x="1371600" y="2914650"/>
+            <a:ext cx="6400800" cy="1314600"/>
+          </a:xfrm>
+          <a:prstGeom prst="rect">
+            <a:avLst/>
+          </a:prstGeom>
+        </p:spPr>
+        <p:txBody>
+          <a:bodyPr anchorCtr="0" anchor="t" bIns="45700" lIns="91425" spcFirstLastPara="1" rIns="91425" wrap="square" tIns="45700">
+            <a:normAutofit/>
+          </a:bodyPr>
+          <a:lstStyle/>
+          <a:p>
+            <a:pPr indent="0" lvl="0" marL="0" rtl="0" algn="l">
+              <a:spcBef>
+                <a:spcPts val="640"/>
+              </a:spcBef>
+              <a:spcAft>
+                <a:spcPts val="0"/>
+              </a:spcAft>
+              <a:buNone/>
+            </a:pPr>
+            <a:r>
+              <a:t/>
+            </a:r>
+            <a:endParaRPr/>
+          </a:p>
+          <a:p>
+            <a:pPr indent="0" lvl="0" marL="0" rtl="0" algn="ctr">
+              <a:spcBef>
+                <a:spcPts val="640"/>
+              </a:spcBef>
+              <a:spcAft>
+                <a:spcPts val="0"/>
+              </a:spcAft>
+              <a:buNone/>
+            </a:pPr>
+            <a:r>
+              <a:t/>
+            </a:r>
+            <a:endParaRPr/>
+          </a:p>
+        </p:txBody>
+      </p:sp>
+      <p:sp>
+        <p:nvSpPr>
+          <p:cNvPr id="186" name="Google Shape;186;p28"/>
           <p:cNvSpPr txBox="1"/>
           <p:nvPr/>
         </p:nvSpPr>
@@ -14135,10 +15011,10 @@
               <a:buNone/>
             </a:pPr>
             <a:r>
-              <a:rPr lang="en"/>
+              <a:rPr lang="en" sz="3000"/>
               <a:t>Objective and Overview</a:t>
             </a:r>
-            <a:endParaRPr/>
+            <a:endParaRPr sz="3000"/>
           </a:p>
         </p:txBody>
       </p:sp>
@@ -14161,7 +15037,7 @@
         </p:spPr>
         <p:txBody>
           <a:bodyPr anchorCtr="0" anchor="t" bIns="45700" lIns="91425" spcFirstLastPara="1" rIns="91425" wrap="square" tIns="45700">
-            <a:normAutofit/>
+            <a:normAutofit fontScale="92500" lnSpcReduction="20000"/>
           </a:bodyPr>
           <a:lstStyle/>
           <a:p>
@@ -14210,25 +15086,7 @@
                 <a:cs typeface="Arial"/>
                 <a:sym typeface="Arial"/>
               </a:rPr>
-              <a:t>: Build a model for face recognition using </a:t>
-            </a:r>
-            <a:r>
-              <a:rPr b="1" lang="en" sz="1600">
-                <a:latin typeface="Arial"/>
-                <a:ea typeface="Arial"/>
-                <a:cs typeface="Arial"/>
-                <a:sym typeface="Arial"/>
-              </a:rPr>
-              <a:t>Self-Supervised Learning (SSL)</a:t>
-            </a:r>
-            <a:r>
-              <a:rPr lang="en" sz="1600">
-                <a:latin typeface="Arial"/>
-                <a:ea typeface="Arial"/>
-                <a:cs typeface="Arial"/>
-                <a:sym typeface="Arial"/>
-              </a:rPr>
-              <a:t>.</a:t>
+              <a:t>: Build a robust face recognition system using Self-Supervised Learning (SSL)</a:t>
             </a:r>
             <a:endParaRPr sz="1600">
               <a:latin typeface="Arial"/>
@@ -14284,7 +15142,7 @@
             </a:endParaRPr>
           </a:p>
           <a:p>
-            <a:pPr indent="-330200" lvl="0" marL="457200" rtl="0" algn="l">
+            <a:pPr indent="-322580" lvl="0" marL="457200" rtl="0" algn="l">
               <a:lnSpc>
                 <a:spcPct val="115000"/>
               </a:lnSpc>
@@ -14294,7 +15152,7 @@
               <a:spcAft>
                 <a:spcPts val="0"/>
               </a:spcAft>
-              <a:buSzPts val="1600"/>
+              <a:buSzPct val="100000"/>
               <a:buChar char="●"/>
             </a:pPr>
             <a:r>
@@ -14323,7 +15181,7 @@
             </a:endParaRPr>
           </a:p>
           <a:p>
-            <a:pPr indent="-330200" lvl="0" marL="457200" rtl="0" algn="l">
+            <a:pPr indent="-322580" lvl="0" marL="457200" rtl="0" algn="l">
               <a:lnSpc>
                 <a:spcPct val="115000"/>
               </a:lnSpc>
@@ -14333,7 +15191,7 @@
               <a:spcAft>
                 <a:spcPts val="0"/>
               </a:spcAft>
-              <a:buSzPts val="1600"/>
+              <a:buSzPct val="100000"/>
               <a:buChar char="●"/>
             </a:pPr>
             <a:r>
@@ -14353,6 +15211,115 @@
                 <a:sym typeface="Arial"/>
               </a:rPr>
               <a:t>: SSL allows the model to capture distinctive face features without needing labeled images, making it well-suited for scenarios with limited labeled data.</a:t>
+            </a:r>
+            <a:endParaRPr sz="1600">
+              <a:latin typeface="Arial"/>
+              <a:ea typeface="Arial"/>
+              <a:cs typeface="Arial"/>
+              <a:sym typeface="Arial"/>
+            </a:endParaRPr>
+          </a:p>
+          <a:p>
+            <a:pPr indent="0" lvl="0" marL="0" rtl="0" algn="l">
+              <a:lnSpc>
+                <a:spcPct val="115000"/>
+              </a:lnSpc>
+              <a:spcBef>
+                <a:spcPts val="1200"/>
+              </a:spcBef>
+              <a:spcAft>
+                <a:spcPts val="0"/>
+              </a:spcAft>
+              <a:buNone/>
+            </a:pPr>
+            <a:r>
+              <a:t/>
+            </a:r>
+            <a:endParaRPr sz="1600">
+              <a:latin typeface="Arial"/>
+              <a:ea typeface="Arial"/>
+              <a:cs typeface="Arial"/>
+              <a:sym typeface="Arial"/>
+            </a:endParaRPr>
+          </a:p>
+          <a:p>
+            <a:pPr indent="0" lvl="0" marL="0" rtl="0" algn="l">
+              <a:spcBef>
+                <a:spcPts val="1200"/>
+              </a:spcBef>
+              <a:spcAft>
+                <a:spcPts val="0"/>
+              </a:spcAft>
+              <a:buNone/>
+            </a:pPr>
+            <a:r>
+              <a:rPr b="1" lang="en" sz="1600">
+                <a:latin typeface="Arial"/>
+                <a:ea typeface="Arial"/>
+                <a:cs typeface="Arial"/>
+                <a:sym typeface="Arial"/>
+              </a:rPr>
+              <a:t>Why SSL?</a:t>
+            </a:r>
+            <a:endParaRPr b="1" sz="1600">
+              <a:latin typeface="Arial"/>
+              <a:ea typeface="Arial"/>
+              <a:cs typeface="Arial"/>
+              <a:sym typeface="Arial"/>
+            </a:endParaRPr>
+          </a:p>
+          <a:p>
+            <a:pPr indent="-322580" lvl="0" marL="457200" rtl="0" algn="l">
+              <a:lnSpc>
+                <a:spcPct val="115000"/>
+              </a:lnSpc>
+              <a:spcBef>
+                <a:spcPts val="1200"/>
+              </a:spcBef>
+              <a:spcAft>
+                <a:spcPts val="0"/>
+              </a:spcAft>
+              <a:buSzPct val="100000"/>
+              <a:buChar char="●"/>
+            </a:pPr>
+            <a:r>
+              <a:rPr lang="en" sz="1600">
+                <a:latin typeface="Arial"/>
+                <a:ea typeface="Arial"/>
+                <a:cs typeface="Arial"/>
+                <a:sym typeface="Arial"/>
+              </a:rPr>
+              <a:t>SSL learns representations from unlabeled data.</a:t>
+            </a:r>
+            <a:endParaRPr sz="1600">
+              <a:latin typeface="Arial"/>
+              <a:ea typeface="Arial"/>
+              <a:cs typeface="Arial"/>
+              <a:sym typeface="Arial"/>
+            </a:endParaRPr>
+          </a:p>
+          <a:p>
+            <a:pPr indent="-322580" lvl="0" marL="457200" rtl="0" algn="l">
+              <a:lnSpc>
+                <a:spcPct val="115000"/>
+              </a:lnSpc>
+              <a:spcBef>
+                <a:spcPts val="0"/>
+              </a:spcBef>
+              <a:spcAft>
+                <a:spcPts val="0"/>
+              </a:spcAft>
+              <a:buSzPct val="100000"/>
+              <a:buChar char="●"/>
+            </a:pPr>
+            <a:r>
+              <a:rPr lang="en" sz="1600">
+                <a:latin typeface="Arial"/>
+                <a:ea typeface="Arial"/>
+                <a:cs typeface="Arial"/>
+                <a:sym typeface="Arial"/>
+              </a:rPr>
+              <a:t>Ideal for face recognition where labeled data is scarce.</a:t>
             </a:r>
             <a:endParaRPr sz="1600">
               <a:latin typeface="Arial"/>
@@ -14441,10 +15408,10 @@
               <a:buNone/>
             </a:pPr>
             <a:r>
-              <a:rPr lang="en" sz="2900"/>
+              <a:rPr lang="en" sz="3000"/>
               <a:t>Advantages of SSL for Face Recognition</a:t>
             </a:r>
-            <a:endParaRPr sz="2900"/>
+            <a:endParaRPr sz="3000"/>
           </a:p>
         </p:txBody>
       </p:sp>
@@ -14467,13 +15434,16 @@
         </p:spPr>
         <p:txBody>
           <a:bodyPr anchorCtr="0" anchor="t" bIns="45700" lIns="91425" spcFirstLastPara="1" rIns="91425" wrap="square" tIns="45700">
-            <a:normAutofit/>
+            <a:normAutofit lnSpcReduction="20000"/>
           </a:bodyPr>
           <a:lstStyle/>
           <a:p>
             <a:pPr indent="0" lvl="0" marL="0" rtl="0" algn="l">
-              <a:spcBef>
-                <a:spcPts val="360"/>
+              <a:lnSpc>
+                <a:spcPct val="115000"/>
+              </a:lnSpc>
+              <a:spcBef>
+                <a:spcPts val="1200"/>
               </a:spcBef>
               <a:spcAft>
                 <a:spcPts val="0"/>
@@ -14481,24 +15451,24 @@
               <a:buNone/>
             </a:pPr>
             <a:r>
-              <a:rPr b="1" lang="en" sz="1900">
+              <a:rPr b="1" lang="en" sz="1600">
                 <a:latin typeface="Arial"/>
                 <a:ea typeface="Arial"/>
                 <a:cs typeface="Arial"/>
                 <a:sym typeface="Arial"/>
               </a:rPr>
-              <a:t>Data Efficiency</a:t>
+              <a:t>Works with Unlabeled Data</a:t>
             </a:r>
             <a:r>
-              <a:rPr lang="en" sz="1900">
+              <a:rPr lang="en" sz="1600">
                 <a:latin typeface="Arial"/>
                 <a:ea typeface="Arial"/>
                 <a:cs typeface="Arial"/>
                 <a:sym typeface="Arial"/>
               </a:rPr>
-              <a:t>: Leverages abundant unlabeled data, which is easier to collect and store.</a:t>
+              <a:t>: Uses easily available unlabeled face images for training, saving time and effort compared to labeling data.</a:t>
             </a:r>
-            <a:endParaRPr sz="1900">
+            <a:endParaRPr sz="1600">
               <a:latin typeface="Arial"/>
               <a:ea typeface="Arial"/>
               <a:cs typeface="Arial"/>
@@ -14507,23 +15477,36 @@
           </a:p>
           <a:p>
             <a:pPr indent="0" lvl="0" marL="0" rtl="0" algn="l">
-              <a:spcBef>
-                <a:spcPts val="360"/>
-              </a:spcBef>
-              <a:spcAft>
-                <a:spcPts val="0"/>
-              </a:spcAft>
-              <a:buClr>
-                <a:schemeClr val="dk1"/>
-              </a:buClr>
-              <a:buSzPts val="1100"/>
-              <a:buFont typeface="Arial"/>
+              <a:lnSpc>
+                <a:spcPct val="115000"/>
+              </a:lnSpc>
+              <a:spcBef>
+                <a:spcPts val="1200"/>
+              </a:spcBef>
+              <a:spcAft>
+                <a:spcPts val="0"/>
+              </a:spcAft>
               <a:buNone/>
             </a:pPr>
             <a:r>
-              <a:t/>
+              <a:rPr b="1" lang="en" sz="1600">
+                <a:latin typeface="Arial"/>
+                <a:ea typeface="Arial"/>
+                <a:cs typeface="Arial"/>
+                <a:sym typeface="Arial"/>
+              </a:rPr>
+              <a:t>Learns Useful Features</a:t>
             </a:r>
-            <a:endParaRPr sz="1900">
+            <a:r>
+              <a:rPr lang="en" sz="1600">
+                <a:latin typeface="Arial"/>
+                <a:ea typeface="Arial"/>
+                <a:cs typeface="Arial"/>
+                <a:sym typeface="Arial"/>
+              </a:rPr>
+              <a:t>: The model learns important face features automatically, which can be reused for tasks like face classification.</a:t>
+            </a:r>
+            <a:endParaRPr sz="1600">
               <a:latin typeface="Arial"/>
               <a:ea typeface="Arial"/>
               <a:cs typeface="Arial"/>
@@ -14532,8 +15515,11 @@
           </a:p>
           <a:p>
             <a:pPr indent="0" lvl="0" marL="0" rtl="0" algn="l">
-              <a:spcBef>
-                <a:spcPts val="360"/>
+              <a:lnSpc>
+                <a:spcPct val="115000"/>
+              </a:lnSpc>
+              <a:spcBef>
+                <a:spcPts val="0"/>
               </a:spcBef>
               <a:spcAft>
                 <a:spcPts val="0"/>
@@ -14541,24 +15527,9 @@
               <a:buNone/>
             </a:pPr>
             <a:r>
-              <a:rPr b="1" lang="en" sz="1900">
-                <a:latin typeface="Arial"/>
-                <a:ea typeface="Arial"/>
-                <a:cs typeface="Arial"/>
-                <a:sym typeface="Arial"/>
-              </a:rPr>
-              <a:t>Feature Transferability</a:t>
+              <a:t/>
             </a:r>
-            <a:r>
-              <a:rPr lang="en" sz="1900">
-                <a:latin typeface="Arial"/>
-                <a:ea typeface="Arial"/>
-                <a:cs typeface="Arial"/>
-                <a:sym typeface="Arial"/>
-              </a:rPr>
-              <a:t>: The SSL-trained encoder generalizes well to new faces and performs effectively with minimal labeled data for fine-tuning.</a:t>
-            </a:r>
-            <a:endParaRPr sz="1900">
+            <a:endParaRPr sz="1600">
               <a:latin typeface="Arial"/>
               <a:ea typeface="Arial"/>
               <a:cs typeface="Arial"/>
@@ -14567,23 +15538,36 @@
           </a:p>
           <a:p>
             <a:pPr indent="0" lvl="0" marL="0" rtl="0" algn="l">
-              <a:spcBef>
-                <a:spcPts val="360"/>
-              </a:spcBef>
-              <a:spcAft>
-                <a:spcPts val="0"/>
-              </a:spcAft>
-              <a:buClr>
-                <a:schemeClr val="dk1"/>
-              </a:buClr>
-              <a:buSzPts val="1100"/>
-              <a:buFont typeface="Arial"/>
+              <a:lnSpc>
+                <a:spcPct val="115000"/>
+              </a:lnSpc>
+              <a:spcBef>
+                <a:spcPts val="0"/>
+              </a:spcBef>
+              <a:spcAft>
+                <a:spcPts val="0"/>
+              </a:spcAft>
               <a:buNone/>
             </a:pPr>
             <a:r>
-              <a:t/>
+              <a:rPr b="1" lang="en" sz="1600">
+                <a:latin typeface="Arial"/>
+                <a:ea typeface="Arial"/>
+                <a:cs typeface="Arial"/>
+                <a:sym typeface="Arial"/>
+              </a:rPr>
+              <a:t>Reduces Dependence on Labeled Data</a:t>
             </a:r>
-            <a:endParaRPr sz="1900">
+            <a:r>
+              <a:rPr lang="en" sz="1600">
+                <a:latin typeface="Arial"/>
+                <a:ea typeface="Arial"/>
+                <a:cs typeface="Arial"/>
+                <a:sym typeface="Arial"/>
+              </a:rPr>
+              <a:t>: Requires very few labeled images for fine-tuning, making it cost-effective.</a:t>
+            </a:r>
+            <a:endParaRPr sz="1600">
               <a:latin typeface="Arial"/>
               <a:ea typeface="Arial"/>
               <a:cs typeface="Arial"/>
@@ -14592,38 +15576,21 @@
           </a:p>
           <a:p>
             <a:pPr indent="0" lvl="0" marL="0" rtl="0" algn="l">
-              <a:spcBef>
-                <a:spcPts val="360"/>
-              </a:spcBef>
-              <a:spcAft>
-                <a:spcPts val="0"/>
-              </a:spcAft>
-              <a:buClr>
-                <a:schemeClr val="dk1"/>
-              </a:buClr>
-              <a:buSzPts val="1100"/>
-              <a:buFont typeface="Arial"/>
+              <a:lnSpc>
+                <a:spcPct val="115000"/>
+              </a:lnSpc>
+              <a:spcBef>
+                <a:spcPts val="0"/>
+              </a:spcBef>
+              <a:spcAft>
+                <a:spcPts val="0"/>
+              </a:spcAft>
               <a:buNone/>
             </a:pPr>
             <a:r>
-              <a:rPr b="1" lang="en" sz="1900">
-                <a:latin typeface="Arial"/>
-                <a:ea typeface="Arial"/>
-                <a:cs typeface="Arial"/>
-                <a:sym typeface="Arial"/>
-              </a:rPr>
-              <a:t>Reduced Dependency on Labels</a:t>
+              <a:t/>
             </a:r>
-            <a:r>
-              <a:rPr lang="en" sz="1900">
-                <a:latin typeface="Arial"/>
-                <a:ea typeface="Arial"/>
-                <a:cs typeface="Arial"/>
-                <a:sym typeface="Arial"/>
-              </a:rPr>
-              <a:t>: Allows effective learning of face features without extensive labeling, reducing time and cost in data preparation.</a:t>
-            </a:r>
-            <a:endParaRPr sz="1900">
+            <a:endParaRPr b="1" sz="1600">
               <a:latin typeface="Arial"/>
               <a:ea typeface="Arial"/>
               <a:cs typeface="Arial"/>
@@ -14632,8 +15599,49 @@
           </a:p>
           <a:p>
             <a:pPr indent="0" lvl="0" marL="0" rtl="0" algn="l">
-              <a:spcBef>
-                <a:spcPts val="360"/>
+              <a:lnSpc>
+                <a:spcPct val="115000"/>
+              </a:lnSpc>
+              <a:spcBef>
+                <a:spcPts val="0"/>
+              </a:spcBef>
+              <a:spcAft>
+                <a:spcPts val="0"/>
+              </a:spcAft>
+              <a:buNone/>
+            </a:pPr>
+            <a:r>
+              <a:rPr b="1" lang="en" sz="1600">
+                <a:latin typeface="Arial"/>
+                <a:ea typeface="Arial"/>
+                <a:cs typeface="Arial"/>
+                <a:sym typeface="Arial"/>
+              </a:rPr>
+              <a:t>Handles New Faces Easily</a:t>
+            </a:r>
+            <a:r>
+              <a:rPr lang="en" sz="1600">
+                <a:latin typeface="Arial"/>
+                <a:ea typeface="Arial"/>
+                <a:cs typeface="Arial"/>
+                <a:sym typeface="Arial"/>
+              </a:rPr>
+              <a:t>: The encoder trained through SSL adapts well to new faces, even from different datasets.</a:t>
+            </a:r>
+            <a:endParaRPr sz="1600">
+              <a:latin typeface="Arial"/>
+              <a:ea typeface="Arial"/>
+              <a:cs typeface="Arial"/>
+              <a:sym typeface="Arial"/>
+            </a:endParaRPr>
+          </a:p>
+          <a:p>
+            <a:pPr indent="0" lvl="0" marL="0" rtl="0" algn="l">
+              <a:lnSpc>
+                <a:spcPct val="115000"/>
+              </a:lnSpc>
+              <a:spcBef>
+                <a:spcPts val="0"/>
               </a:spcBef>
               <a:spcAft>
                 <a:spcPts val="0"/>
@@ -14643,7 +15651,70 @@
             <a:r>
               <a:t/>
             </a:r>
-            <a:endParaRPr/>
+            <a:endParaRPr sz="1600">
+              <a:latin typeface="Arial"/>
+              <a:ea typeface="Arial"/>
+              <a:cs typeface="Arial"/>
+              <a:sym typeface="Arial"/>
+            </a:endParaRPr>
+          </a:p>
+          <a:p>
+            <a:pPr indent="0" lvl="0" marL="0" rtl="0" algn="l">
+              <a:lnSpc>
+                <a:spcPct val="115000"/>
+              </a:lnSpc>
+              <a:spcBef>
+                <a:spcPts val="0"/>
+              </a:spcBef>
+              <a:spcAft>
+                <a:spcPts val="0"/>
+              </a:spcAft>
+              <a:buNone/>
+            </a:pPr>
+            <a:r>
+              <a:rPr b="1" lang="en" sz="1600">
+                <a:latin typeface="Arial"/>
+                <a:ea typeface="Arial"/>
+                <a:cs typeface="Arial"/>
+                <a:sym typeface="Arial"/>
+              </a:rPr>
+              <a:t>Scalable</a:t>
+            </a:r>
+            <a:r>
+              <a:rPr lang="en" sz="1600">
+                <a:latin typeface="Arial"/>
+                <a:ea typeface="Arial"/>
+                <a:cs typeface="Arial"/>
+                <a:sym typeface="Arial"/>
+              </a:rPr>
+              <a:t>: Works efficiently with large datasets, improving recognition accuracy as more data is used.</a:t>
+            </a:r>
+            <a:endParaRPr b="1" sz="1600">
+              <a:latin typeface="Arial"/>
+              <a:ea typeface="Arial"/>
+              <a:cs typeface="Arial"/>
+              <a:sym typeface="Arial"/>
+            </a:endParaRPr>
+          </a:p>
+          <a:p>
+            <a:pPr indent="0" lvl="0" marL="0" rtl="0" algn="l">
+              <a:spcBef>
+                <a:spcPts val="360"/>
+              </a:spcBef>
+              <a:spcAft>
+                <a:spcPts val="0"/>
+              </a:spcAft>
+              <a:buNone/>
+            </a:pPr>
+            <a:r>
+              <a:t/>
+            </a:r>
+            <a:endParaRPr b="1" sz="1900">
+              <a:latin typeface="Arial"/>
+              <a:ea typeface="Arial"/>
+              <a:cs typeface="Arial"/>
+              <a:sym typeface="Arial"/>
+            </a:endParaRPr>
           </a:p>
         </p:txBody>
       </p:sp>
@@ -14705,10 +15776,10 @@
               <a:buNone/>
             </a:pPr>
             <a:r>
-              <a:rPr lang="en"/>
+              <a:rPr lang="en" sz="3000"/>
               <a:t>Dataset Preparation</a:t>
             </a:r>
-            <a:endParaRPr/>
+            <a:endParaRPr sz="3000"/>
           </a:p>
         </p:txBody>
       </p:sp>
@@ -14735,7 +15806,7 @@
           </a:bodyPr>
           <a:lstStyle/>
           <a:p>
-            <a:pPr indent="-342900" lvl="0" marL="457200" rtl="0" algn="l">
+            <a:pPr indent="0" lvl="0" marL="0" rtl="0" algn="l">
               <a:lnSpc>
                 <a:spcPct val="115000"/>
               </a:lnSpc>
@@ -14745,28 +15816,27 @@
               <a:spcAft>
                 <a:spcPts val="0"/>
               </a:spcAft>
-              <a:buSzPts val="1800"/>
-              <a:buChar char="●"/>
+              <a:buNone/>
             </a:pPr>
             <a:r>
-              <a:rPr b="1" lang="en" sz="1800">
+              <a:rPr b="1" lang="en" sz="1600">
                 <a:latin typeface="Arial"/>
                 <a:ea typeface="Arial"/>
                 <a:cs typeface="Arial"/>
                 <a:sym typeface="Arial"/>
               </a:rPr>
-              <a:t>Unlabelled Face Dataset</a:t>
+              <a:t>Datasets</a:t>
             </a:r>
             <a:r>
-              <a:rPr lang="en" sz="1800">
+              <a:rPr lang="en" sz="1600">
                 <a:latin typeface="Arial"/>
                 <a:ea typeface="Arial"/>
                 <a:cs typeface="Arial"/>
                 <a:sym typeface="Arial"/>
               </a:rPr>
-              <a:t>: Custom dataset for unlabeled images used in SSL pre-training. (CelebA dataset)</a:t>
+              <a:t>:</a:t>
             </a:r>
-            <a:endParaRPr sz="1800">
+            <a:endParaRPr sz="1600">
               <a:latin typeface="Arial"/>
               <a:ea typeface="Arial"/>
               <a:cs typeface="Arial"/>
@@ -14774,38 +15844,38 @@
             </a:endParaRPr>
           </a:p>
           <a:p>
-            <a:pPr indent="-342900" lvl="0" marL="457200" rtl="0" algn="l">
+            <a:pPr indent="-330200" lvl="0" marL="457200" rtl="0" algn="l">
               <a:lnSpc>
                 <a:spcPct val="115000"/>
               </a:lnSpc>
               <a:spcBef>
-                <a:spcPts val="0"/>
-              </a:spcBef>
-              <a:spcAft>
-                <a:spcPts val="0"/>
-              </a:spcAft>
-              <a:buSzPts val="1800"/>
+                <a:spcPts val="1200"/>
+              </a:spcBef>
+              <a:spcAft>
+                <a:spcPts val="0"/>
+              </a:spcAft>
+              <a:buSzPts val="1600"/>
               <a:buChar char="●"/>
             </a:pPr>
             <a:r>
-              <a:rPr b="1" lang="en" sz="1800">
+              <a:rPr b="1" lang="en" sz="1600">
                 <a:latin typeface="Arial"/>
                 <a:ea typeface="Arial"/>
                 <a:cs typeface="Arial"/>
                 <a:sym typeface="Arial"/>
               </a:rPr>
-              <a:t>Labeled Face Dataset</a:t>
+              <a:t>Unlabeled Dataset</a:t>
             </a:r>
             <a:r>
-              <a:rPr lang="en" sz="1800">
+              <a:rPr lang="en" sz="1600">
                 <a:latin typeface="Arial"/>
                 <a:ea typeface="Arial"/>
                 <a:cs typeface="Arial"/>
                 <a:sym typeface="Arial"/>
               </a:rPr>
-              <a:t>: Dataset for labeled face images, used for classifier fine-tuning. (17 classes)</a:t>
+              <a:t>: Pre-training on CelebA (50,000 images).</a:t>
             </a:r>
-            <a:endParaRPr sz="1800">
+            <a:endParaRPr sz="1600">
               <a:latin typeface="Arial"/>
               <a:ea typeface="Arial"/>
               <a:cs typeface="Arial"/>
@@ -14813,7 +15883,7 @@
             </a:endParaRPr>
           </a:p>
           <a:p>
-            <a:pPr indent="-342900" lvl="0" marL="457200" rtl="0" algn="l">
+            <a:pPr indent="-330200" lvl="0" marL="457200" rtl="0" algn="l">
               <a:lnSpc>
                 <a:spcPct val="115000"/>
               </a:lnSpc>
@@ -14823,28 +15893,28 @@
               <a:spcAft>
                 <a:spcPts val="0"/>
               </a:spcAft>
-              <a:buSzPts val="1800"/>
+              <a:buSzPts val="1600"/>
               <a:buChar char="●"/>
             </a:pPr>
             <a:r>
-              <a:rPr b="1" lang="en" sz="1800">
+              <a:rPr b="1" lang="en" sz="1600">
                 <a:latin typeface="Arial"/>
                 <a:ea typeface="Arial"/>
                 <a:cs typeface="Arial"/>
                 <a:sym typeface="Arial"/>
               </a:rPr>
-              <a:t>Transformations</a:t>
+              <a:t>Labeled Dataset</a:t>
             </a:r>
             <a:r>
-              <a:rPr lang="en" sz="1800">
+              <a:rPr lang="en" sz="1600">
                 <a:latin typeface="Arial"/>
                 <a:ea typeface="Arial"/>
                 <a:cs typeface="Arial"/>
                 <a:sym typeface="Arial"/>
               </a:rPr>
-              <a:t>: Resize, Normalize, Convert to Tensor to prepare images for training.</a:t>
+              <a:t>: Fine-tuning with 17 face classes (each class has 100 images)</a:t>
             </a:r>
-            <a:endParaRPr sz="1800">
+            <a:endParaRPr sz="1600">
               <a:latin typeface="Arial"/>
               <a:ea typeface="Arial"/>
               <a:cs typeface="Arial"/>
@@ -14865,9 +15935,93 @@
               <a:buNone/>
             </a:pPr>
             <a:r>
-              <a:t/>
+              <a:rPr b="1" lang="en" sz="1600">
+                <a:latin typeface="Arial"/>
+                <a:ea typeface="Arial"/>
+                <a:cs typeface="Arial"/>
+                <a:sym typeface="Arial"/>
+              </a:rPr>
+              <a:t>Transformations</a:t>
             </a:r>
-            <a:endParaRPr sz="1800">
+            <a:r>
+              <a:rPr lang="en" sz="1600">
+                <a:latin typeface="Arial"/>
+                <a:ea typeface="Arial"/>
+                <a:cs typeface="Arial"/>
+                <a:sym typeface="Arial"/>
+              </a:rPr>
+              <a:t>:</a:t>
+            </a:r>
+            <a:endParaRPr sz="1600">
+              <a:latin typeface="Arial"/>
+              <a:ea typeface="Arial"/>
+              <a:cs typeface="Arial"/>
+              <a:sym typeface="Arial"/>
+            </a:endParaRPr>
+          </a:p>
+          <a:p>
+            <a:pPr indent="-330200" lvl="0" marL="457200" rtl="0" algn="l">
+              <a:lnSpc>
+                <a:spcPct val="115000"/>
+              </a:lnSpc>
+              <a:spcBef>
+                <a:spcPts val="1200"/>
+              </a:spcBef>
+              <a:spcAft>
+                <a:spcPts val="0"/>
+              </a:spcAft>
+              <a:buSzPts val="1600"/>
+              <a:buChar char="●"/>
+            </a:pPr>
+            <a:r>
+              <a:rPr lang="en" sz="1600">
+                <a:latin typeface="Arial"/>
+                <a:ea typeface="Arial"/>
+                <a:cs typeface="Arial"/>
+                <a:sym typeface="Arial"/>
+              </a:rPr>
+              <a:t>Resize to </a:t>
+            </a:r>
+            <a:r>
+              <a:rPr lang="en" sz="1600">
+                <a:latin typeface="Arial"/>
+                <a:ea typeface="Arial"/>
+                <a:cs typeface="Arial"/>
+                <a:sym typeface="Arial"/>
+              </a:rPr>
+              <a:t>128x128</a:t>
+            </a:r>
+            <a:endParaRPr sz="1600">
+              <a:latin typeface="Arial"/>
+              <a:ea typeface="Arial"/>
+              <a:cs typeface="Arial"/>
+              <a:sym typeface="Arial"/>
+            </a:endParaRPr>
+          </a:p>
+          <a:p>
+            <a:pPr indent="-330200" lvl="0" marL="457200" rtl="0" algn="l">
+              <a:lnSpc>
+                <a:spcPct val="115000"/>
+              </a:lnSpc>
+              <a:spcBef>
+                <a:spcPts val="0"/>
+              </a:spcBef>
+              <a:spcAft>
+                <a:spcPts val="0"/>
+              </a:spcAft>
+              <a:buSzPts val="1600"/>
+              <a:buChar char="●"/>
+            </a:pPr>
+            <a:r>
+              <a:rPr lang="en" sz="1600">
+                <a:latin typeface="Arial"/>
+                <a:ea typeface="Arial"/>
+                <a:cs typeface="Arial"/>
+                <a:sym typeface="Arial"/>
+              </a:rPr>
+              <a:t>Normalize and convert to tensors.</a:t>
+            </a:r>
+            <a:endParaRPr sz="1600">
               <a:latin typeface="Arial"/>
               <a:ea typeface="Arial"/>
               <a:cs typeface="Arial"/>
@@ -14876,11 +16030,14 @@
           </a:p>
           <a:p>
             <a:pPr indent="0" lvl="0" marL="0" rtl="0" algn="l">
+              <a:lnSpc>
+                <a:spcPct val="115000"/>
+              </a:lnSpc>
               <a:spcBef>
                 <a:spcPts val="1200"/>
               </a:spcBef>
               <a:spcAft>
-                <a:spcPts val="0"/>
+                <a:spcPts val="1200"/>
               </a:spcAft>
               <a:buNone/>
             </a:pPr>
@@ -14907,8 +16064,8 @@
         </p:blipFill>
         <p:spPr>
           <a:xfrm>
-            <a:off x="6551675" y="2767075"/>
-            <a:ext cx="2135125" cy="1319100"/>
+            <a:off x="5388550" y="2048475"/>
+            <a:ext cx="3298249" cy="2037700"/>
           </a:xfrm>
           <a:prstGeom prst="rect">
             <a:avLst/>
@@ -14977,10 +16134,10 @@
               <a:buNone/>
             </a:pPr>
             <a:r>
-              <a:rPr lang="en"/>
+              <a:rPr lang="en" sz="3000"/>
               <a:t>Model Architecture</a:t>
             </a:r>
-            <a:endParaRPr/>
+            <a:endParaRPr sz="3000"/>
           </a:p>
         </p:txBody>
       </p:sp>
@@ -15003,11 +16160,11 @@
         </p:spPr>
         <p:txBody>
           <a:bodyPr anchorCtr="0" anchor="t" bIns="45700" lIns="91425" spcFirstLastPara="1" rIns="91425" wrap="square" tIns="45700">
-            <a:normAutofit/>
+            <a:normAutofit lnSpcReduction="10000"/>
           </a:bodyPr>
           <a:lstStyle/>
           <a:p>
-            <a:pPr indent="-342900" lvl="0" marL="457200" rtl="0" algn="l">
+            <a:pPr indent="0" lvl="0" marL="0" rtl="0" algn="l">
               <a:lnSpc>
                 <a:spcPct val="115000"/>
               </a:lnSpc>
@@ -15017,11 +16174,10 @@
               <a:spcAft>
                 <a:spcPts val="0"/>
               </a:spcAft>
-              <a:buSzPts val="1800"/>
-              <a:buChar char="●"/>
+              <a:buNone/>
             </a:pPr>
             <a:r>
-              <a:rPr b="1" lang="en" sz="1800">
+              <a:rPr b="1" lang="en" sz="1600">
                 <a:latin typeface="Arial"/>
                 <a:ea typeface="Arial"/>
                 <a:cs typeface="Arial"/>
@@ -15030,15 +16186,15 @@
               <a:t>Encoder</a:t>
             </a:r>
             <a:r>
-              <a:rPr lang="en" sz="1800">
+              <a:rPr lang="en" sz="1600">
                 <a:latin typeface="Arial"/>
                 <a:ea typeface="Arial"/>
                 <a:cs typeface="Arial"/>
                 <a:sym typeface="Arial"/>
               </a:rPr>
-              <a:t>: Convolutional layers capture face features.</a:t>
+              <a:t>:</a:t>
             </a:r>
-            <a:endParaRPr sz="1800">
+            <a:endParaRPr sz="1600">
               <a:latin typeface="Arial"/>
               <a:ea typeface="Arial"/>
               <a:cs typeface="Arial"/>
@@ -15046,21 +16202,72 @@
             </a:endParaRPr>
           </a:p>
           <a:p>
-            <a:pPr indent="-342900" lvl="0" marL="457200" rtl="0" algn="l">
+            <a:pPr indent="0" lvl="0" marL="0" rtl="0" algn="l">
               <a:lnSpc>
                 <a:spcPct val="115000"/>
               </a:lnSpc>
               <a:spcBef>
-                <a:spcPts val="0"/>
-              </a:spcBef>
-              <a:spcAft>
-                <a:spcPts val="0"/>
-              </a:spcAft>
-              <a:buSzPts val="1800"/>
-              <a:buChar char="●"/>
+                <a:spcPts val="1200"/>
+              </a:spcBef>
+              <a:spcAft>
+                <a:spcPts val="0"/>
+              </a:spcAft>
+              <a:buNone/>
             </a:pPr>
             <a:r>
-              <a:rPr b="1" lang="en" sz="1800">
+              <a:rPr lang="en" sz="1600">
+                <a:latin typeface="Arial"/>
+                <a:ea typeface="Arial"/>
+                <a:cs typeface="Arial"/>
+                <a:sym typeface="Arial"/>
+              </a:rPr>
+              <a:t>Extracts face features via convolutional layers.</a:t>
+            </a:r>
+            <a:endParaRPr b="1" sz="1600">
+              <a:latin typeface="Arial"/>
+              <a:ea typeface="Arial"/>
+              <a:cs typeface="Arial"/>
+              <a:sym typeface="Arial"/>
+            </a:endParaRPr>
+          </a:p>
+          <a:p>
+            <a:pPr indent="0" lvl="0" marL="0" rtl="0" algn="l">
+              <a:lnSpc>
+                <a:spcPct val="115000"/>
+              </a:lnSpc>
+              <a:spcBef>
+                <a:spcPts val="1200"/>
+              </a:spcBef>
+              <a:spcAft>
+                <a:spcPts val="0"/>
+              </a:spcAft>
+              <a:buNone/>
+            </a:pPr>
+            <a:r>
+              <a:t/>
+            </a:r>
+            <a:endParaRPr b="1" sz="1600">
+              <a:latin typeface="Arial"/>
+              <a:ea typeface="Arial"/>
+              <a:cs typeface="Arial"/>
+              <a:sym typeface="Arial"/>
+            </a:endParaRPr>
+          </a:p>
+          <a:p>
+            <a:pPr indent="0" lvl="0" marL="0" rtl="0" algn="l">
+              <a:lnSpc>
+                <a:spcPct val="115000"/>
+              </a:lnSpc>
+              <a:spcBef>
+                <a:spcPts val="0"/>
+              </a:spcBef>
+              <a:spcAft>
+                <a:spcPts val="0"/>
+              </a:spcAft>
+              <a:buNone/>
+            </a:pPr>
+            <a:r>
+              <a:rPr b="1" lang="en" sz="1600">
                 <a:latin typeface="Arial"/>
                 <a:ea typeface="Arial"/>
                 <a:cs typeface="Arial"/>
@@ -15069,15 +16276,15 @@
               <a:t>Decoder</a:t>
             </a:r>
             <a:r>
-              <a:rPr lang="en" sz="1800">
+              <a:rPr lang="en" sz="1600">
                 <a:latin typeface="Arial"/>
                 <a:ea typeface="Arial"/>
                 <a:cs typeface="Arial"/>
                 <a:sym typeface="Arial"/>
               </a:rPr>
-              <a:t>: Deconvolutional layers reconstruct images from encoded features.</a:t>
+              <a:t>:</a:t>
             </a:r>
-            <a:endParaRPr sz="1800">
+            <a:endParaRPr sz="1600">
               <a:latin typeface="Arial"/>
               <a:ea typeface="Arial"/>
               <a:cs typeface="Arial"/>
@@ -15085,21 +16292,104 @@
             </a:endParaRPr>
           </a:p>
           <a:p>
-            <a:pPr indent="-342900" lvl="0" marL="457200" rtl="0" algn="l">
+            <a:pPr indent="0" lvl="0" marL="0" rtl="0" algn="l">
               <a:lnSpc>
                 <a:spcPct val="115000"/>
               </a:lnSpc>
               <a:spcBef>
-                <a:spcPts val="0"/>
-              </a:spcBef>
-              <a:spcAft>
-                <a:spcPts val="0"/>
-              </a:spcAft>
-              <a:buSzPts val="1800"/>
-              <a:buChar char="●"/>
+                <a:spcPts val="1200"/>
+              </a:spcBef>
+              <a:spcAft>
+                <a:spcPts val="0"/>
+              </a:spcAft>
+              <a:buNone/>
             </a:pPr>
             <a:r>
-              <a:rPr b="1" lang="en" sz="1800">
+              <a:rPr lang="en" sz="1600">
+                <a:latin typeface="Arial"/>
+                <a:ea typeface="Arial"/>
+                <a:cs typeface="Arial"/>
+                <a:sym typeface="Arial"/>
+              </a:rPr>
+              <a:t>Reconstructs images for SSL training</a:t>
+            </a:r>
+            <a:r>
+              <a:rPr lang="en" sz="1100">
+                <a:latin typeface="Arial"/>
+                <a:ea typeface="Arial"/>
+                <a:cs typeface="Arial"/>
+                <a:sym typeface="Arial"/>
+              </a:rPr>
+              <a:t>.</a:t>
+            </a:r>
+            <a:endParaRPr sz="1100">
+              <a:latin typeface="Arial"/>
+              <a:ea typeface="Arial"/>
+              <a:cs typeface="Arial"/>
+              <a:sym typeface="Arial"/>
+            </a:endParaRPr>
+          </a:p>
+          <a:p>
+            <a:pPr indent="0" lvl="0" marL="0" rtl="0" algn="l">
+              <a:lnSpc>
+                <a:spcPct val="115000"/>
+              </a:lnSpc>
+              <a:spcBef>
+                <a:spcPts val="1200"/>
+              </a:spcBef>
+              <a:spcAft>
+                <a:spcPts val="0"/>
+              </a:spcAft>
+              <a:buNone/>
+            </a:pPr>
+            <a:r>
+              <a:t/>
+            </a:r>
+            <a:endParaRPr sz="1100">
+              <a:latin typeface="Arial"/>
+              <a:ea typeface="Arial"/>
+              <a:cs typeface="Arial"/>
+              <a:sym typeface="Arial"/>
+            </a:endParaRPr>
+          </a:p>
+          <a:p>
+            <a:pPr indent="0" lvl="0" marL="0" rtl="0" algn="l">
+              <a:lnSpc>
+                <a:spcPct val="115000"/>
+              </a:lnSpc>
+              <a:spcBef>
+                <a:spcPts val="1200"/>
+              </a:spcBef>
+              <a:spcAft>
+                <a:spcPts val="0"/>
+              </a:spcAft>
+              <a:buNone/>
+            </a:pPr>
+            <a:r>
+              <a:t/>
+            </a:r>
+            <a:endParaRPr sz="1100">
+              <a:latin typeface="Arial"/>
+              <a:ea typeface="Arial"/>
+              <a:cs typeface="Arial"/>
+              <a:sym typeface="Arial"/>
+            </a:endParaRPr>
+          </a:p>
+          <a:p>
+            <a:pPr indent="0" lvl="0" marL="0" rtl="0" algn="l">
+              <a:lnSpc>
+                <a:spcPct val="115000"/>
+              </a:lnSpc>
+              <a:spcBef>
+                <a:spcPts val="1200"/>
+              </a:spcBef>
+              <a:spcAft>
+                <a:spcPts val="0"/>
+              </a:spcAft>
+              <a:buNone/>
+            </a:pPr>
+            <a:r>
+              <a:rPr b="1" lang="en" sz="1600">
                 <a:latin typeface="Arial"/>
                 <a:ea typeface="Arial"/>
                 <a:cs typeface="Arial"/>
@@ -15108,7 +16398,7 @@
               <a:t>Objective</a:t>
             </a:r>
             <a:r>
-              <a:rPr lang="en" sz="1800">
+              <a:rPr lang="en" sz="1600">
                 <a:latin typeface="Arial"/>
                 <a:ea typeface="Arial"/>
                 <a:cs typeface="Arial"/>
@@ -15116,7 +16406,7 @@
               </a:rPr>
               <a:t>: Train on unlabeled data to learn face representations that can be used for recognition.</a:t>
             </a:r>
-            <a:endParaRPr sz="1800">
+            <a:endParaRPr sz="1600">
               <a:latin typeface="Arial"/>
               <a:ea typeface="Arial"/>
               <a:cs typeface="Arial"/>
@@ -15156,8 +16446,63 @@
         </p:blipFill>
         <p:spPr>
           <a:xfrm>
-            <a:off x="5365425" y="2204400"/>
+            <a:off x="5150975" y="843550"/>
             <a:ext cx="3720774" cy="2540600"/>
+          </a:xfrm>
+          <a:prstGeom prst="rect">
+            <a:avLst/>
+          </a:prstGeom>
+          <a:noFill/>
+          <a:ln>
+            <a:noFill/>
+          </a:ln>
+        </p:spPr>
+      </p:pic>
+      <p:pic>
+        <p:nvPicPr>
+          <p:cNvPr id="131" name="Google Shape;131;p20"/>
+          <p:cNvPicPr preferRelativeResize="0"/>
+          <p:nvPr/>
+        </p:nvPicPr>
+        <p:blipFill>
+          <a:blip r:embed="rId4">
+            <a:alphaModFix/>
+          </a:blip>
+          <a:stretch>
+            <a:fillRect/>
+          </a:stretch>
+        </p:blipFill>
+        <p:spPr>
+          <a:xfrm>
+            <a:off x="5001798" y="1368154"/>
+            <a:ext cx="963900" cy="895725"/>
+          </a:xfrm>
+          <a:prstGeom prst="rect">
+            <a:avLst/>
+          </a:prstGeom>
+          <a:noFill/>
+          <a:ln>
+            <a:noFill/>
+          </a:ln>
+        </p:spPr>
+      </p:pic>
+      <p:pic>
+        <p:nvPicPr>
+          <p:cNvPr id="132" name="Google Shape;132;p20"/>
+          <p:cNvPicPr preferRelativeResize="0"/>
+          <p:nvPr/>
+        </p:nvPicPr>
+        <p:blipFill rotWithShape="1">
+          <a:blip r:embed="rId4">
+            <a:alphaModFix/>
+          </a:blip>
+          <a:srcRect b="0" l="6740" r="-6739" t="0"/>
+          <a:stretch/>
+        </p:blipFill>
+        <p:spPr>
+          <a:xfrm>
+            <a:off x="8076648" y="1368154"/>
+            <a:ext cx="963900" cy="895725"/>
           </a:xfrm>
           <a:prstGeom prst="rect">
             <a:avLst/>
@@ -15181,7 +16526,7 @@
   <p:cSld>
     <p:spTree>
       <p:nvGrpSpPr>
-        <p:cNvPr id="134" name="Shape 134"/>
+        <p:cNvPr id="136" name="Shape 136"/>
         <p:cNvGrpSpPr/>
         <p:nvPr/>
       </p:nvGrpSpPr>
@@ -15195,7 +16540,7 @@
       </p:grpSpPr>
       <p:sp>
         <p:nvSpPr>
-          <p:cNvPr id="135" name="Google Shape;135;p21"/>
+          <p:cNvPr id="137" name="Google Shape;137;p21"/>
           <p:cNvSpPr txBox="1"/>
           <p:nvPr>
             <p:ph type="title"/>
@@ -15226,20 +16571,16 @@
               <a:buNone/>
             </a:pPr>
             <a:r>
-              <a:rPr lang="en"/>
-              <a:t>SSL</a:t>
+              <a:rPr lang="en" sz="3000"/>
+              <a:t>Model Architecture</a:t>
             </a:r>
-            <a:r>
-              <a:rPr lang="en"/>
-              <a:t> with Autoencoder</a:t>
-            </a:r>
-            <a:endParaRPr/>
+            <a:endParaRPr sz="3000"/>
           </a:p>
         </p:txBody>
       </p:sp>
       <p:sp>
         <p:nvSpPr>
-          <p:cNvPr id="136" name="Google Shape;136;p21"/>
+          <p:cNvPr id="138" name="Google Shape;138;p21"/>
           <p:cNvSpPr txBox="1"/>
           <p:nvPr>
             <p:ph idx="1" type="body"/>
@@ -15270,9 +16611,166 @@
               <a:buNone/>
             </a:pPr>
             <a:r>
-              <a:t/>
+              <a:rPr b="1" lang="en" sz="1600"/>
+              <a:t>A</a:t>
             </a:r>
-            <a:endParaRPr b="1" sz="1700">
+            <a:r>
+              <a:rPr b="1" lang="en" sz="1600"/>
+              <a:t>utoencoder pipeline</a:t>
+            </a:r>
+            <a:endParaRPr b="1" sz="1600"/>
+          </a:p>
+        </p:txBody>
+      </p:sp>
+      <p:pic>
+        <p:nvPicPr>
+          <p:cNvPr id="139" name="Google Shape;139;p21"/>
+          <p:cNvPicPr preferRelativeResize="0"/>
+          <p:nvPr/>
+        </p:nvPicPr>
+        <p:blipFill>
+          <a:blip r:embed="rId3">
+            <a:alphaModFix/>
+          </a:blip>
+          <a:stretch>
+            <a:fillRect/>
+          </a:stretch>
+        </p:blipFill>
+        <p:spPr>
+          <a:xfrm>
+            <a:off x="4814575" y="843550"/>
+            <a:ext cx="1650317" cy="3751199"/>
+          </a:xfrm>
+          <a:prstGeom prst="rect">
+            <a:avLst/>
+          </a:prstGeom>
+          <a:noFill/>
+          <a:ln>
+            <a:noFill/>
+          </a:ln>
+        </p:spPr>
+      </p:pic>
+    </p:spTree>
+  </p:cSld>
+  <p:clrMapOvr>
+    <a:masterClrMapping/>
+  </p:clrMapOvr>
+</p:sld>
+</file>
+
+<file path=ppt/slides/slide7.xml><?xml version="1.0" encoding="utf-8"?>
+<p:sld xmlns:a="http://schemas.openxmlformats.org/drawingml/2006/main" xmlns:r="http://schemas.openxmlformats.org/officeDocument/2006/relationships" xmlns:mc="http://schemas.openxmlformats.org/markup-compatibility/2006" xmlns:mv="urn:schemas-microsoft-com:mac:vml" xmlns:p="http://schemas.openxmlformats.org/presentationml/2006/main" xmlns:c="http://schemas.openxmlformats.org/drawingml/2006/chart" xmlns:dgm="http://schemas.openxmlformats.org/drawingml/2006/diagram" xmlns:o="urn:schemas-microsoft-com:office:office" xmlns:v="urn:schemas-microsoft-com:vml" xmlns:pvml="urn:schemas-microsoft-com:office:powerpoint" xmlns:com="http://schemas.openxmlformats.org/drawingml/2006/compatibility" xmlns:p14="http://schemas.microsoft.com/office/powerpoint/2010/main" xmlns:p15="http://schemas.microsoft.com/office/powerpoint/2012/main" xmlns:ahyp="http://schemas.microsoft.com/office/drawing/2018/hyperlinkcolor">
+  <p:cSld>
+    <p:spTree>
+      <p:nvGrpSpPr>
+        <p:cNvPr id="143" name="Shape 143"/>
+        <p:cNvGrpSpPr/>
+        <p:nvPr/>
+      </p:nvGrpSpPr>
+      <p:grpSpPr>
+        <a:xfrm>
+          <a:off x="0" y="0"/>
+          <a:ext cx="0" cy="0"/>
+          <a:chOff x="0" y="0"/>
+          <a:chExt cx="0" cy="0"/>
+        </a:xfrm>
+      </p:grpSpPr>
+      <p:sp>
+        <p:nvSpPr>
+          <p:cNvPr id="144" name="Google Shape;144;p22"/>
+          <p:cNvSpPr txBox="1"/>
+          <p:nvPr>
+            <p:ph type="title"/>
+          </p:nvPr>
+        </p:nvSpPr>
+        <p:spPr>
+          <a:xfrm>
+            <a:off x="457200" y="190073"/>
+            <a:ext cx="8229600" cy="561000"/>
+          </a:xfrm>
+          <a:prstGeom prst="rect">
+            <a:avLst/>
+          </a:prstGeom>
+        </p:spPr>
+        <p:txBody>
+          <a:bodyPr anchorCtr="0" anchor="ctr" bIns="45700" lIns="91425" spcFirstLastPara="1" rIns="91425" wrap="square" tIns="45700">
+            <a:noAutofit/>
+          </a:bodyPr>
+          <a:lstStyle/>
+          <a:p>
+            <a:pPr indent="0" lvl="0" marL="0" rtl="0" algn="l">
+              <a:spcBef>
+                <a:spcPts val="0"/>
+              </a:spcBef>
+              <a:spcAft>
+                <a:spcPts val="0"/>
+              </a:spcAft>
+              <a:buNone/>
+            </a:pPr>
+            <a:r>
+              <a:rPr lang="en" sz="3000"/>
+              <a:t>Pre-training</a:t>
+            </a:r>
+            <a:endParaRPr sz="3000"/>
+          </a:p>
+        </p:txBody>
+      </p:sp>
+      <p:sp>
+        <p:nvSpPr>
+          <p:cNvPr id="145" name="Google Shape;145;p22"/>
+          <p:cNvSpPr txBox="1"/>
+          <p:nvPr>
+            <p:ph idx="1" type="body"/>
+          </p:nvPr>
+        </p:nvSpPr>
+        <p:spPr>
+          <a:xfrm>
+            <a:off x="457200" y="843558"/>
+            <a:ext cx="8229600" cy="3751200"/>
+          </a:xfrm>
+          <a:prstGeom prst="rect">
+            <a:avLst/>
+          </a:prstGeom>
+        </p:spPr>
+        <p:txBody>
+          <a:bodyPr anchorCtr="0" anchor="t" bIns="45700" lIns="91425" spcFirstLastPara="1" rIns="91425" wrap="square" tIns="45700">
+            <a:normAutofit/>
+          </a:bodyPr>
+          <a:lstStyle/>
+          <a:p>
+            <a:pPr indent="0" lvl="0" marL="0" rtl="0" algn="l">
+              <a:spcBef>
+                <a:spcPts val="360"/>
+              </a:spcBef>
+              <a:spcAft>
+                <a:spcPts val="0"/>
+              </a:spcAft>
+              <a:buClr>
+                <a:schemeClr val="dk1"/>
+              </a:buClr>
+              <a:buSzPts val="1100"/>
+              <a:buFont typeface="Arial"/>
+              <a:buNone/>
+            </a:pPr>
+            <a:r>
+              <a:rPr b="1" lang="en" sz="1600">
+                <a:latin typeface="Arial"/>
+                <a:ea typeface="Arial"/>
+                <a:cs typeface="Arial"/>
+                <a:sym typeface="Arial"/>
+              </a:rPr>
+              <a:t>Training Objective</a:t>
+            </a:r>
+            <a:r>
+              <a:rPr lang="en" sz="1600">
+                <a:latin typeface="Arial"/>
+                <a:ea typeface="Arial"/>
+                <a:cs typeface="Arial"/>
+                <a:sym typeface="Arial"/>
+              </a:rPr>
+              <a:t>: Minimize reconstruction loss (MSE) to improve feature quality.</a:t>
+            </a:r>
+            <a:endParaRPr sz="1600">
               <a:latin typeface="Arial"/>
               <a:ea typeface="Arial"/>
               <a:cs typeface="Arial"/>
@@ -15295,47 +16793,7 @@
               <a:buNone/>
             </a:pPr>
             <a:r>
-              <a:rPr b="1" lang="en" sz="1700">
-                <a:latin typeface="Arial"/>
-                <a:ea typeface="Arial"/>
-                <a:cs typeface="Arial"/>
-                <a:sym typeface="Arial"/>
-              </a:rPr>
-              <a:t>Training Objective</a:t>
-            </a:r>
-            <a:r>
-              <a:rPr lang="en" sz="1700">
-                <a:latin typeface="Arial"/>
-                <a:ea typeface="Arial"/>
-                <a:cs typeface="Arial"/>
-                <a:sym typeface="Arial"/>
-              </a:rPr>
-              <a:t>: Minimize reconstruction loss (MSE) to improve feature quality.</a:t>
-            </a:r>
-            <a:endParaRPr sz="1700">
-              <a:latin typeface="Arial"/>
-              <a:ea typeface="Arial"/>
-              <a:cs typeface="Arial"/>
-              <a:sym typeface="Arial"/>
-            </a:endParaRPr>
-          </a:p>
-          <a:p>
-            <a:pPr indent="0" lvl="0" marL="0" rtl="0" algn="l">
-              <a:spcBef>
-                <a:spcPts val="360"/>
-              </a:spcBef>
-              <a:spcAft>
-                <a:spcPts val="0"/>
-              </a:spcAft>
-              <a:buClr>
-                <a:schemeClr val="dk1"/>
-              </a:buClr>
-              <a:buSzPts val="1100"/>
-              <a:buFont typeface="Arial"/>
-              <a:buNone/>
-            </a:pPr>
-            <a:r>
-              <a:rPr b="1" lang="en" sz="1700">
+              <a:rPr b="1" lang="en" sz="1600">
                 <a:latin typeface="Arial"/>
                 <a:ea typeface="Arial"/>
                 <a:cs typeface="Arial"/>
@@ -15344,7 +16802,7 @@
               <a:t>Training Process</a:t>
             </a:r>
             <a:r>
-              <a:rPr lang="en" sz="1700">
+              <a:rPr lang="en" sz="1600">
                 <a:latin typeface="Arial"/>
                 <a:ea typeface="Arial"/>
                 <a:cs typeface="Arial"/>
@@ -15352,7 +16810,7 @@
               </a:rPr>
               <a:t>:</a:t>
             </a:r>
-            <a:endParaRPr sz="1700">
+            <a:endParaRPr sz="1600">
               <a:latin typeface="Arial"/>
               <a:ea typeface="Arial"/>
               <a:cs typeface="Arial"/>
@@ -15360,7 +16818,7 @@
             </a:endParaRPr>
           </a:p>
           <a:p>
-            <a:pPr indent="-336550" lvl="0" marL="457200" rtl="0" algn="l">
+            <a:pPr indent="-330200" lvl="0" marL="457200" rtl="0" algn="l">
               <a:lnSpc>
                 <a:spcPct val="115000"/>
               </a:lnSpc>
@@ -15370,11 +16828,11 @@
               <a:spcAft>
                 <a:spcPts val="0"/>
               </a:spcAft>
-              <a:buSzPts val="1700"/>
+              <a:buSzPts val="1600"/>
               <a:buChar char="●"/>
             </a:pPr>
             <a:r>
-              <a:rPr lang="en" sz="1700">
+              <a:rPr lang="en" sz="1600">
                 <a:latin typeface="Arial"/>
                 <a:ea typeface="Arial"/>
                 <a:cs typeface="Arial"/>
@@ -15382,7 +16840,7 @@
               </a:rPr>
               <a:t>Feed unlabeled images into the model.</a:t>
             </a:r>
-            <a:endParaRPr sz="1700">
+            <a:endParaRPr sz="1600">
               <a:latin typeface="Arial"/>
               <a:ea typeface="Arial"/>
               <a:cs typeface="Arial"/>
@@ -15390,7 +16848,7 @@
             </a:endParaRPr>
           </a:p>
           <a:p>
-            <a:pPr indent="-336550" lvl="0" marL="457200" rtl="0" algn="l">
+            <a:pPr indent="-330200" lvl="0" marL="457200" rtl="0" algn="l">
               <a:lnSpc>
                 <a:spcPct val="115000"/>
               </a:lnSpc>
@@ -15400,11 +16858,11 @@
               <a:spcAft>
                 <a:spcPts val="0"/>
               </a:spcAft>
-              <a:buSzPts val="1700"/>
+              <a:buSzPts val="1600"/>
               <a:buChar char="●"/>
             </a:pPr>
             <a:r>
-              <a:rPr lang="en" sz="1700">
+              <a:rPr lang="en" sz="1600">
                 <a:latin typeface="Arial"/>
                 <a:ea typeface="Arial"/>
                 <a:cs typeface="Arial"/>
@@ -15412,7 +16870,7 @@
               </a:rPr>
               <a:t>Encoder learns face features by reconstructing images.</a:t>
             </a:r>
-            <a:endParaRPr sz="1700">
+            <a:endParaRPr sz="1600">
               <a:latin typeface="Arial"/>
               <a:ea typeface="Arial"/>
               <a:cs typeface="Arial"/>
@@ -15433,7 +16891,7 @@
               <a:buNone/>
             </a:pPr>
             <a:r>
-              <a:rPr b="1" lang="en" sz="1700">
+              <a:rPr b="1" lang="en" sz="1600">
                 <a:latin typeface="Arial"/>
                 <a:ea typeface="Arial"/>
                 <a:cs typeface="Arial"/>
@@ -15442,7 +16900,7 @@
               <a:t>Results</a:t>
             </a:r>
             <a:r>
-              <a:rPr lang="en" sz="1700">
+              <a:rPr lang="en" sz="1600">
                 <a:latin typeface="Arial"/>
                 <a:ea typeface="Arial"/>
                 <a:cs typeface="Arial"/>
@@ -15450,7 +16908,7 @@
               </a:rPr>
               <a:t>:</a:t>
             </a:r>
-            <a:endParaRPr sz="1700">
+            <a:endParaRPr sz="1600">
               <a:latin typeface="Arial"/>
               <a:ea typeface="Arial"/>
               <a:cs typeface="Arial"/>
@@ -15473,11 +16931,14 @@
             <a:r>
               <a:t/>
             </a:r>
-            <a:endParaRPr sz="1700">
-              <a:latin typeface="Arial"/>
-              <a:ea typeface="Arial"/>
-              <a:cs typeface="Arial"/>
-              <a:sym typeface="Arial"/>
+            <a:endParaRPr sz="1600">
+              <a:solidFill>
+                <a:srgbClr val="3C4043"/>
+              </a:solidFill>
+              <a:latin typeface="Roboto Mono"/>
+              <a:ea typeface="Roboto Mono"/>
+              <a:cs typeface="Roboto Mono"/>
+              <a:sym typeface="Roboto Mono"/>
             </a:endParaRPr>
           </a:p>
           <a:p>
@@ -15494,7 +16955,56 @@
               <a:buNone/>
             </a:pPr>
             <a:r>
-              <a:rPr b="1" lang="en" sz="1700">
+              <a:rPr b="1" lang="en" sz="1600">
+                <a:latin typeface="Arial"/>
+                <a:ea typeface="Arial"/>
+                <a:cs typeface="Arial"/>
+                <a:sym typeface="Arial"/>
+              </a:rPr>
+              <a:t>Training loss       </a:t>
+            </a:r>
+            <a:r>
+              <a:rPr lang="en" sz="1600">
+                <a:solidFill>
+                  <a:srgbClr val="3C4043"/>
+                </a:solidFill>
+                <a:latin typeface="Roboto Mono"/>
+                <a:ea typeface="Roboto Mono"/>
+                <a:cs typeface="Roboto Mono"/>
+                <a:sym typeface="Roboto Mono"/>
+              </a:rPr>
+              <a:t>:0.0014 </a:t>
+            </a:r>
+            <a:endParaRPr sz="1600">
+              <a:solidFill>
+                <a:srgbClr val="3C4043"/>
+              </a:solidFill>
+              <a:latin typeface="Roboto Mono"/>
+              <a:ea typeface="Roboto Mono"/>
+              <a:cs typeface="Roboto Mono"/>
+              <a:sym typeface="Roboto Mono"/>
+            </a:endParaRPr>
+          </a:p>
+          <a:p>
+            <a:pPr indent="0" lvl="0" marL="0" rtl="0" algn="l">
+              <a:lnSpc>
+                <a:spcPct val="115000"/>
+              </a:lnSpc>
+              <a:spcBef>
+                <a:spcPts val="0"/>
+              </a:spcBef>
+              <a:spcAft>
+                <a:spcPts val="0"/>
+              </a:spcAft>
+              <a:buClr>
+                <a:schemeClr val="dk1"/>
+              </a:buClr>
+              <a:buSzPts val="1100"/>
+              <a:buFont typeface="Arial"/>
+              <a:buNone/>
+            </a:pPr>
+            <a:r>
+              <a:rPr b="1" lang="en" sz="1600">
                 <a:latin typeface="Arial"/>
                 <a:ea typeface="Arial"/>
                 <a:cs typeface="Arial"/>
@@ -15503,25 +17013,7 @@
               <a:t>Cosine Similarity</a:t>
             </a:r>
             <a:r>
-              <a:rPr lang="en" sz="1700">
-                <a:latin typeface="Arial"/>
-                <a:ea typeface="Arial"/>
-                <a:cs typeface="Arial"/>
-                <a:sym typeface="Arial"/>
-              </a:rPr>
-              <a:t>:</a:t>
-            </a:r>
-            <a:r>
-              <a:rPr lang="en" sz="1100">
-                <a:latin typeface="Arial"/>
-                <a:ea typeface="Arial"/>
-                <a:cs typeface="Arial"/>
-                <a:sym typeface="Arial"/>
-              </a:rPr>
-              <a:t> </a:t>
-            </a:r>
-            <a:r>
-              <a:rPr lang="en" sz="1450">
+              <a:rPr lang="en" sz="1600">
                 <a:solidFill>
                   <a:srgbClr val="3C4043"/>
                 </a:solidFill>
@@ -15530,7 +17022,33 @@
                 <a:cs typeface="Roboto Mono"/>
                 <a:sym typeface="Roboto Mono"/>
               </a:rPr>
-              <a:t>0.9989</a:t>
+              <a:t>:0.9989</a:t>
+            </a:r>
+            <a:endParaRPr sz="1600">
+              <a:solidFill>
+                <a:srgbClr val="3C4043"/>
+              </a:solidFill>
+              <a:latin typeface="Roboto Mono"/>
+              <a:ea typeface="Roboto Mono"/>
+              <a:cs typeface="Roboto Mono"/>
+              <a:sym typeface="Roboto Mono"/>
+            </a:endParaRPr>
+          </a:p>
+          <a:p>
+            <a:pPr indent="0" lvl="0" marL="0" rtl="0" algn="l">
+              <a:lnSpc>
+                <a:spcPct val="115000"/>
+              </a:lnSpc>
+              <a:spcBef>
+                <a:spcPts val="0"/>
+              </a:spcBef>
+              <a:spcAft>
+                <a:spcPts val="0"/>
+              </a:spcAft>
+              <a:buNone/>
+            </a:pPr>
+            <a:r>
+              <a:t/>
             </a:r>
             <a:endParaRPr sz="1450">
               <a:solidFill>
@@ -15589,7 +17107,7 @@
       </p:sp>
       <p:pic>
         <p:nvPicPr>
-          <p:cNvPr id="137" name="Google Shape;137;p21"/>
+          <p:cNvPr id="146" name="Google Shape;146;p22"/>
           <p:cNvPicPr preferRelativeResize="0"/>
           <p:nvPr/>
         </p:nvPicPr>
@@ -15623,12 +17141,12 @@
 </p:sld>
 </file>
 
-<file path=ppt/slides/slide7.xml><?xml version="1.0" encoding="utf-8"?>
+<file path=ppt/slides/slide8.xml><?xml version="1.0" encoding="utf-8"?>
 <p:sld xmlns:a="http://schemas.openxmlformats.org/drawingml/2006/main" xmlns:r="http://schemas.openxmlformats.org/officeDocument/2006/relationships" xmlns:mc="http://schemas.openxmlformats.org/markup-compatibility/2006" xmlns:mv="urn:schemas-microsoft-com:mac:vml" xmlns:p="http://schemas.openxmlformats.org/presentationml/2006/main" xmlns:c="http://schemas.openxmlformats.org/drawingml/2006/chart" xmlns:dgm="http://schemas.openxmlformats.org/drawingml/2006/diagram" xmlns:o="urn:schemas-microsoft-com:office:office" xmlns:v="urn:schemas-microsoft-com:vml" xmlns:pvml="urn:schemas-microsoft-com:office:powerpoint" xmlns:com="http://schemas.openxmlformats.org/drawingml/2006/compatibility" xmlns:p14="http://schemas.microsoft.com/office/powerpoint/2010/main" xmlns:p15="http://schemas.microsoft.com/office/powerpoint/2012/main" xmlns:ahyp="http://schemas.microsoft.com/office/drawing/2018/hyperlinkcolor">
   <p:cSld>
     <p:spTree>
       <p:nvGrpSpPr>
-        <p:cNvPr id="141" name="Shape 141"/>
+        <p:cNvPr id="150" name="Shape 150"/>
         <p:cNvGrpSpPr/>
         <p:nvPr/>
       </p:nvGrpSpPr>
@@ -15642,7 +17160,7 @@
       </p:grpSpPr>
       <p:sp>
         <p:nvSpPr>
-          <p:cNvPr id="142" name="Google Shape;142;p22"/>
+          <p:cNvPr id="151" name="Google Shape;151;p23"/>
           <p:cNvSpPr txBox="1"/>
           <p:nvPr>
             <p:ph type="title"/>
@@ -15673,16 +17191,16 @@
               <a:buNone/>
             </a:pPr>
             <a:r>
-              <a:rPr lang="en" sz="3600"/>
+              <a:rPr lang="en" sz="3000"/>
               <a:t>Fine-Tuning for Face Recognition</a:t>
             </a:r>
-            <a:endParaRPr sz="3600"/>
+            <a:endParaRPr sz="3000"/>
           </a:p>
         </p:txBody>
       </p:sp>
       <p:sp>
         <p:nvSpPr>
-          <p:cNvPr id="143" name="Google Shape;143;p22"/>
+          <p:cNvPr id="152" name="Google Shape;152;p23"/>
           <p:cNvSpPr txBox="1"/>
           <p:nvPr>
             <p:ph idx="1" type="body"/>
@@ -15867,7 +17385,7 @@
       </p:sp>
       <p:pic>
         <p:nvPicPr>
-          <p:cNvPr id="144" name="Google Shape;144;p22"/>
+          <p:cNvPr id="153" name="Google Shape;153;p23"/>
           <p:cNvPicPr preferRelativeResize="0"/>
           <p:nvPr/>
         </p:nvPicPr>
@@ -15901,12 +17419,12 @@
 </p:sld>
 </file>
 
-<file path=ppt/slides/slide8.xml><?xml version="1.0" encoding="utf-8"?>
+<file path=ppt/slides/slide9.xml><?xml version="1.0" encoding="utf-8"?>
 <p:sld xmlns:a="http://schemas.openxmlformats.org/drawingml/2006/main" xmlns:r="http://schemas.openxmlformats.org/officeDocument/2006/relationships" xmlns:mc="http://schemas.openxmlformats.org/markup-compatibility/2006" xmlns:mv="urn:schemas-microsoft-com:mac:vml" xmlns:p="http://schemas.openxmlformats.org/presentationml/2006/main" xmlns:c="http://schemas.openxmlformats.org/drawingml/2006/chart" xmlns:dgm="http://schemas.openxmlformats.org/drawingml/2006/diagram" xmlns:o="urn:schemas-microsoft-com:office:office" xmlns:v="urn:schemas-microsoft-com:vml" xmlns:pvml="urn:schemas-microsoft-com:office:powerpoint" xmlns:com="http://schemas.openxmlformats.org/drawingml/2006/compatibility" xmlns:p14="http://schemas.microsoft.com/office/powerpoint/2010/main" xmlns:p15="http://schemas.microsoft.com/office/powerpoint/2012/main" xmlns:ahyp="http://schemas.microsoft.com/office/drawing/2018/hyperlinkcolor">
   <p:cSld>
     <p:spTree>
       <p:nvGrpSpPr>
-        <p:cNvPr id="148" name="Shape 148"/>
+        <p:cNvPr id="157" name="Shape 157"/>
         <p:cNvGrpSpPr/>
         <p:nvPr/>
       </p:nvGrpSpPr>
@@ -15920,7 +17438,7 @@
       </p:grpSpPr>
       <p:sp>
         <p:nvSpPr>
-          <p:cNvPr id="149" name="Google Shape;149;p23"/>
+          <p:cNvPr id="158" name="Google Shape;158;p24"/>
           <p:cNvSpPr txBox="1"/>
           <p:nvPr>
             <p:ph type="title"/>
@@ -15952,7 +17470,7 @@
             </a:pPr>
             <a:r>
               <a:rPr lang="en" sz="3000"/>
-              <a:t>Saving, Loading, and Utilizing the Model</a:t>
+              <a:t>Test Metrics</a:t>
             </a:r>
             <a:endParaRPr sz="3000"/>
           </a:p>
@@ -15960,7 +17478,7 @@
       </p:sp>
       <p:sp>
         <p:nvSpPr>
-          <p:cNvPr id="150" name="Google Shape;150;p23"/>
+          <p:cNvPr id="159" name="Google Shape;159;p24"/>
           <p:cNvSpPr txBox="1"/>
           <p:nvPr>
             <p:ph idx="1" type="body"/>
@@ -15982,11 +17500,8 @@
           <a:lstStyle/>
           <a:p>
             <a:pPr indent="0" lvl="0" marL="0" rtl="0" algn="l">
-              <a:lnSpc>
-                <a:spcPct val="115000"/>
-              </a:lnSpc>
-              <a:spcBef>
-                <a:spcPts val="1200"/>
+              <a:spcBef>
+                <a:spcPts val="360"/>
               </a:spcBef>
               <a:spcAft>
                 <a:spcPts val="0"/>
@@ -15995,526 +17510,67 @@
             </a:pPr>
             <a:r>
               <a:t/>
-            </a:r>
-            <a:endParaRPr b="1" sz="1600">
-              <a:latin typeface="Arial"/>
-              <a:ea typeface="Arial"/>
-              <a:cs typeface="Arial"/>
-              <a:sym typeface="Arial"/>
-            </a:endParaRPr>
-          </a:p>
-          <a:p>
-            <a:pPr indent="0" lvl="0" marL="0" rtl="0" algn="l">
-              <a:lnSpc>
-                <a:spcPct val="115000"/>
-              </a:lnSpc>
-              <a:spcBef>
-                <a:spcPts val="1200"/>
-              </a:spcBef>
-              <a:spcAft>
-                <a:spcPts val="0"/>
-              </a:spcAft>
-              <a:buNone/>
-            </a:pPr>
-            <a:r>
-              <a:rPr b="1" lang="en" sz="1600">
-                <a:latin typeface="Arial"/>
-                <a:ea typeface="Arial"/>
-                <a:cs typeface="Arial"/>
-                <a:sym typeface="Arial"/>
-              </a:rPr>
-              <a:t>Model Saving</a:t>
-            </a:r>
-            <a:r>
-              <a:rPr lang="en" sz="1600">
-                <a:latin typeface="Arial"/>
-                <a:ea typeface="Arial"/>
-                <a:cs typeface="Arial"/>
-                <a:sym typeface="Arial"/>
-              </a:rPr>
-              <a:t>: The trained model is saved as a </a:t>
-            </a:r>
-            <a:r>
-              <a:rPr lang="en" sz="1600">
-                <a:solidFill>
-                  <a:srgbClr val="188038"/>
-                </a:solidFill>
-                <a:latin typeface="Roboto Mono"/>
-                <a:ea typeface="Roboto Mono"/>
-                <a:cs typeface="Roboto Mono"/>
-                <a:sym typeface="Roboto Mono"/>
-              </a:rPr>
-              <a:t>.pkl</a:t>
-            </a:r>
-            <a:r>
-              <a:rPr lang="en" sz="1600">
-                <a:latin typeface="Arial"/>
-                <a:ea typeface="Arial"/>
-                <a:cs typeface="Arial"/>
-                <a:sym typeface="Arial"/>
-              </a:rPr>
-              <a:t> file, allowing for easy reusability.</a:t>
-            </a:r>
-            <a:endParaRPr sz="1600">
-              <a:latin typeface="Arial"/>
-              <a:ea typeface="Arial"/>
-              <a:cs typeface="Arial"/>
-              <a:sym typeface="Arial"/>
-            </a:endParaRPr>
-          </a:p>
-          <a:p>
-            <a:pPr indent="0" lvl="0" marL="0" rtl="0" algn="l">
-              <a:lnSpc>
-                <a:spcPct val="115000"/>
-              </a:lnSpc>
-              <a:spcBef>
-                <a:spcPts val="1200"/>
-              </a:spcBef>
-              <a:spcAft>
-                <a:spcPts val="0"/>
-              </a:spcAft>
-              <a:buNone/>
-            </a:pPr>
-            <a:r>
-              <a:t/>
-            </a:r>
-            <a:endParaRPr sz="1600">
-              <a:latin typeface="Arial"/>
-              <a:ea typeface="Arial"/>
-              <a:cs typeface="Arial"/>
-              <a:sym typeface="Arial"/>
-            </a:endParaRPr>
-          </a:p>
-          <a:p>
-            <a:pPr indent="0" lvl="0" marL="0" rtl="0" algn="l">
-              <a:lnSpc>
-                <a:spcPct val="115000"/>
-              </a:lnSpc>
-              <a:spcBef>
-                <a:spcPts val="1200"/>
-              </a:spcBef>
-              <a:spcAft>
-                <a:spcPts val="0"/>
-              </a:spcAft>
-              <a:buNone/>
-            </a:pPr>
-            <a:r>
-              <a:rPr b="1" lang="en" sz="1600">
-                <a:latin typeface="Arial"/>
-                <a:ea typeface="Arial"/>
-                <a:cs typeface="Arial"/>
-                <a:sym typeface="Arial"/>
-              </a:rPr>
-              <a:t>Benefit</a:t>
-            </a:r>
-            <a:r>
-              <a:rPr lang="en" sz="1600">
-                <a:latin typeface="Arial"/>
-                <a:ea typeface="Arial"/>
-                <a:cs typeface="Arial"/>
-                <a:sym typeface="Arial"/>
-              </a:rPr>
-              <a:t>: Simplifies loading for further testing or deployment, making the model accessible for future use.</a:t>
-            </a:r>
-            <a:endParaRPr sz="1600">
-              <a:latin typeface="Arial"/>
-              <a:ea typeface="Arial"/>
-              <a:cs typeface="Arial"/>
-              <a:sym typeface="Arial"/>
-            </a:endParaRPr>
-          </a:p>
-          <a:p>
-            <a:pPr indent="0" lvl="0" marL="0" rtl="0" algn="l">
-              <a:lnSpc>
-                <a:spcPct val="115000"/>
-              </a:lnSpc>
-              <a:spcBef>
-                <a:spcPts val="1200"/>
-              </a:spcBef>
-              <a:spcAft>
-                <a:spcPts val="0"/>
-              </a:spcAft>
-              <a:buNone/>
-            </a:pPr>
-            <a:r>
-              <a:t/>
-            </a:r>
-            <a:endParaRPr sz="1600">
-              <a:latin typeface="Arial"/>
-              <a:ea typeface="Arial"/>
-              <a:cs typeface="Arial"/>
-              <a:sym typeface="Arial"/>
-            </a:endParaRPr>
-          </a:p>
-          <a:p>
-            <a:pPr indent="0" lvl="0" marL="0" rtl="0" algn="l">
-              <a:lnSpc>
-                <a:spcPct val="115000"/>
-              </a:lnSpc>
-              <a:spcBef>
-                <a:spcPts val="1200"/>
-              </a:spcBef>
-              <a:spcAft>
-                <a:spcPts val="1200"/>
-              </a:spcAft>
-              <a:buNone/>
-            </a:pPr>
-            <a:r>
-              <a:rPr b="1" lang="en" sz="1600">
-                <a:latin typeface="Arial"/>
-                <a:ea typeface="Arial"/>
-                <a:cs typeface="Arial"/>
-                <a:sym typeface="Arial"/>
-              </a:rPr>
-              <a:t>Prediction</a:t>
-            </a:r>
-            <a:r>
-              <a:rPr lang="en" sz="1600">
-                <a:latin typeface="Arial"/>
-                <a:ea typeface="Arial"/>
-                <a:cs typeface="Arial"/>
-                <a:sym typeface="Arial"/>
-              </a:rPr>
-              <a:t>: Once loaded, the model can be used to predict labels for new face images, enabling validation on unseen data.</a:t>
-            </a:r>
-            <a:endParaRPr sz="1100">
-              <a:latin typeface="Arial"/>
-              <a:ea typeface="Arial"/>
-              <a:cs typeface="Arial"/>
-              <a:sym typeface="Arial"/>
-            </a:endParaRPr>
-          </a:p>
-        </p:txBody>
-      </p:sp>
-    </p:spTree>
-  </p:cSld>
-  <p:clrMapOvr>
-    <a:masterClrMapping/>
-  </p:clrMapOvr>
-</p:sld>
-</file>
-
-<file path=ppt/slides/slide9.xml><?xml version="1.0" encoding="utf-8"?>
-<p:sld xmlns:a="http://schemas.openxmlformats.org/drawingml/2006/main" xmlns:r="http://schemas.openxmlformats.org/officeDocument/2006/relationships" xmlns:mc="http://schemas.openxmlformats.org/markup-compatibility/2006" xmlns:mv="urn:schemas-microsoft-com:mac:vml" xmlns:p="http://schemas.openxmlformats.org/presentationml/2006/main" xmlns:c="http://schemas.openxmlformats.org/drawingml/2006/chart" xmlns:dgm="http://schemas.openxmlformats.org/drawingml/2006/diagram" xmlns:o="urn:schemas-microsoft-com:office:office" xmlns:v="urn:schemas-microsoft-com:vml" xmlns:pvml="urn:schemas-microsoft-com:office:powerpoint" xmlns:com="http://schemas.openxmlformats.org/drawingml/2006/compatibility" xmlns:p14="http://schemas.microsoft.com/office/powerpoint/2010/main" xmlns:p15="http://schemas.microsoft.com/office/powerpoint/2012/main" xmlns:ahyp="http://schemas.microsoft.com/office/drawing/2018/hyperlinkcolor">
-  <p:cSld>
-    <p:spTree>
-      <p:nvGrpSpPr>
-        <p:cNvPr id="154" name="Shape 154"/>
-        <p:cNvGrpSpPr/>
-        <p:nvPr/>
-      </p:nvGrpSpPr>
-      <p:grpSpPr>
-        <a:xfrm>
-          <a:off x="0" y="0"/>
-          <a:ext cx="0" cy="0"/>
-          <a:chOff x="0" y="0"/>
-          <a:chExt cx="0" cy="0"/>
-        </a:xfrm>
-      </p:grpSpPr>
-      <p:sp>
-        <p:nvSpPr>
-          <p:cNvPr id="155" name="Google Shape;155;p24"/>
-          <p:cNvSpPr txBox="1"/>
-          <p:nvPr>
-            <p:ph type="title"/>
-          </p:nvPr>
-        </p:nvSpPr>
-        <p:spPr>
-          <a:xfrm>
-            <a:off x="457200" y="190073"/>
-            <a:ext cx="8229600" cy="561000"/>
-          </a:xfrm>
-          <a:prstGeom prst="rect">
-            <a:avLst/>
-          </a:prstGeom>
-        </p:spPr>
-        <p:txBody>
-          <a:bodyPr anchorCtr="0" anchor="ctr" bIns="45700" lIns="91425" spcFirstLastPara="1" rIns="91425" wrap="square" tIns="45700">
-            <a:noAutofit/>
-          </a:bodyPr>
-          <a:lstStyle/>
-          <a:p>
-            <a:pPr indent="0" lvl="0" marL="0" rtl="0" algn="l">
-              <a:spcBef>
-                <a:spcPts val="0"/>
-              </a:spcBef>
-              <a:spcAft>
-                <a:spcPts val="0"/>
-              </a:spcAft>
-              <a:buNone/>
-            </a:pPr>
-            <a:r>
-              <a:rPr lang="en"/>
-              <a:t>Future Directions</a:t>
             </a:r>
             <a:endParaRPr/>
           </a:p>
         </p:txBody>
       </p:sp>
-      <p:sp>
-        <p:nvSpPr>
-          <p:cNvPr id="156" name="Google Shape;156;p24"/>
-          <p:cNvSpPr txBox="1"/>
-          <p:nvPr>
-            <p:ph idx="1" type="body"/>
-          </p:nvPr>
-        </p:nvSpPr>
+      <p:pic>
+        <p:nvPicPr>
+          <p:cNvPr id="160" name="Google Shape;160;p24"/>
+          <p:cNvPicPr preferRelativeResize="0"/>
+          <p:nvPr/>
+        </p:nvPicPr>
+        <p:blipFill>
+          <a:blip r:embed="rId3">
+            <a:alphaModFix/>
+          </a:blip>
+          <a:stretch>
+            <a:fillRect/>
+          </a:stretch>
+        </p:blipFill>
         <p:spPr>
           <a:xfrm>
-            <a:off x="457200" y="843558"/>
-            <a:ext cx="8229600" cy="3751200"/>
+            <a:off x="457200" y="843550"/>
+            <a:ext cx="4432924" cy="3648349"/>
           </a:xfrm>
           <a:prstGeom prst="rect">
             <a:avLst/>
           </a:prstGeom>
+          <a:noFill/>
+          <a:ln>
+            <a:noFill/>
+          </a:ln>
         </p:spPr>
-        <p:txBody>
-          <a:bodyPr anchorCtr="0" anchor="t" bIns="45700" lIns="91425" spcFirstLastPara="1" rIns="91425" wrap="square" tIns="45700">
-            <a:normAutofit lnSpcReduction="10000"/>
-          </a:bodyPr>
-          <a:lstStyle/>
-          <a:p>
-            <a:pPr indent="0" lvl="0" marL="0" rtl="0" algn="l">
-              <a:spcBef>
-                <a:spcPts val="360"/>
-              </a:spcBef>
-              <a:spcAft>
-                <a:spcPts val="0"/>
-              </a:spcAft>
-              <a:buNone/>
-            </a:pPr>
-            <a:r>
-              <a:t/>
-            </a:r>
-            <a:endParaRPr b="1" sz="1600">
-              <a:latin typeface="Arial"/>
-              <a:ea typeface="Arial"/>
-              <a:cs typeface="Arial"/>
-              <a:sym typeface="Arial"/>
-            </a:endParaRPr>
-          </a:p>
-          <a:p>
-            <a:pPr indent="0" lvl="0" marL="0" rtl="0" algn="l">
-              <a:spcBef>
-                <a:spcPts val="360"/>
-              </a:spcBef>
-              <a:spcAft>
-                <a:spcPts val="0"/>
-              </a:spcAft>
-              <a:buNone/>
-            </a:pPr>
-            <a:r>
-              <a:rPr b="1" lang="en" sz="1600">
-                <a:latin typeface="Arial"/>
-                <a:ea typeface="Arial"/>
-                <a:cs typeface="Arial"/>
-                <a:sym typeface="Arial"/>
-              </a:rPr>
-              <a:t>Larger Datasets</a:t>
-            </a:r>
-            <a:r>
-              <a:rPr lang="en" sz="1600">
-                <a:latin typeface="Arial"/>
-                <a:ea typeface="Arial"/>
-                <a:cs typeface="Arial"/>
-                <a:sym typeface="Arial"/>
-              </a:rPr>
-              <a:t>: Test the model on a wider range of data to improve generalizability and robustness. Incorporate larger datasets for training during the unsupervised phase to enhance feature learning.</a:t>
-            </a:r>
-            <a:endParaRPr sz="1600">
-              <a:latin typeface="Arial"/>
-              <a:ea typeface="Arial"/>
-              <a:cs typeface="Arial"/>
-              <a:sym typeface="Arial"/>
-            </a:endParaRPr>
-          </a:p>
-          <a:p>
-            <a:pPr indent="0" lvl="0" marL="0" rtl="0" algn="l">
-              <a:spcBef>
-                <a:spcPts val="360"/>
-              </a:spcBef>
-              <a:spcAft>
-                <a:spcPts val="0"/>
-              </a:spcAft>
-              <a:buNone/>
-            </a:pPr>
-            <a:r>
-              <a:t/>
-            </a:r>
-            <a:endParaRPr sz="1600">
-              <a:latin typeface="Arial"/>
-              <a:ea typeface="Arial"/>
-              <a:cs typeface="Arial"/>
-              <a:sym typeface="Arial"/>
-            </a:endParaRPr>
-          </a:p>
-          <a:p>
-            <a:pPr indent="0" lvl="0" marL="0" rtl="0" algn="l">
-              <a:spcBef>
-                <a:spcPts val="360"/>
-              </a:spcBef>
-              <a:spcAft>
-                <a:spcPts val="0"/>
-              </a:spcAft>
-              <a:buNone/>
-            </a:pPr>
-            <a:r>
-              <a:rPr b="1" lang="en" sz="1600">
-                <a:latin typeface="Arial"/>
-                <a:ea typeface="Arial"/>
-                <a:cs typeface="Arial"/>
-                <a:sym typeface="Arial"/>
-              </a:rPr>
-              <a:t>Hyperparameter Tuning</a:t>
-            </a:r>
-            <a:r>
-              <a:rPr lang="en" sz="1600">
-                <a:latin typeface="Arial"/>
-                <a:ea typeface="Arial"/>
-                <a:cs typeface="Arial"/>
-                <a:sym typeface="Arial"/>
-              </a:rPr>
-              <a:t>: Optimize hyperparameters such as learning rates, batch sizes, and architecture choices to improve model performance.</a:t>
-            </a:r>
-            <a:endParaRPr sz="1600">
-              <a:latin typeface="Arial"/>
-              <a:ea typeface="Arial"/>
-              <a:cs typeface="Arial"/>
-              <a:sym typeface="Arial"/>
-            </a:endParaRPr>
-          </a:p>
-          <a:p>
-            <a:pPr indent="0" lvl="0" marL="0" rtl="0" algn="l">
-              <a:spcBef>
-                <a:spcPts val="360"/>
-              </a:spcBef>
-              <a:spcAft>
-                <a:spcPts val="0"/>
-              </a:spcAft>
-              <a:buNone/>
-            </a:pPr>
-            <a:r>
-              <a:t/>
-            </a:r>
-            <a:endParaRPr sz="1600">
-              <a:latin typeface="Arial"/>
-              <a:ea typeface="Arial"/>
-              <a:cs typeface="Arial"/>
-              <a:sym typeface="Arial"/>
-            </a:endParaRPr>
-          </a:p>
-          <a:p>
-            <a:pPr indent="0" lvl="0" marL="0" rtl="0" algn="l">
-              <a:spcBef>
-                <a:spcPts val="360"/>
-              </a:spcBef>
-              <a:spcAft>
-                <a:spcPts val="0"/>
-              </a:spcAft>
-              <a:buNone/>
-            </a:pPr>
-            <a:r>
-              <a:rPr b="1" lang="en" sz="1600">
-                <a:latin typeface="Arial"/>
-                <a:ea typeface="Arial"/>
-                <a:cs typeface="Arial"/>
-                <a:sym typeface="Arial"/>
-              </a:rPr>
-              <a:t>Alternative SSL Approaches</a:t>
-            </a:r>
-            <a:r>
-              <a:rPr lang="en" sz="1600">
-                <a:latin typeface="Arial"/>
-                <a:ea typeface="Arial"/>
-                <a:cs typeface="Arial"/>
-                <a:sym typeface="Arial"/>
-              </a:rPr>
-              <a:t>: Experiment with methods like contrastive learning and other self-supervised techniques to enhance feature extraction and representation.</a:t>
-            </a:r>
-            <a:endParaRPr sz="1600">
-              <a:latin typeface="Arial"/>
-              <a:ea typeface="Arial"/>
-              <a:cs typeface="Arial"/>
-              <a:sym typeface="Arial"/>
-            </a:endParaRPr>
-          </a:p>
-          <a:p>
-            <a:pPr indent="0" lvl="0" marL="0" rtl="0" algn="l">
-              <a:spcBef>
-                <a:spcPts val="360"/>
-              </a:spcBef>
-              <a:spcAft>
-                <a:spcPts val="0"/>
-              </a:spcAft>
-              <a:buNone/>
-            </a:pPr>
-            <a:r>
-              <a:t/>
-            </a:r>
-            <a:endParaRPr sz="1600">
-              <a:latin typeface="Arial"/>
-              <a:ea typeface="Arial"/>
-              <a:cs typeface="Arial"/>
-              <a:sym typeface="Arial"/>
-            </a:endParaRPr>
-          </a:p>
-          <a:p>
-            <a:pPr indent="0" lvl="0" marL="0" rtl="0" algn="l">
-              <a:spcBef>
-                <a:spcPts val="360"/>
-              </a:spcBef>
-              <a:spcAft>
-                <a:spcPts val="0"/>
-              </a:spcAft>
-              <a:buNone/>
-            </a:pPr>
-            <a:r>
-              <a:rPr b="1" lang="en" sz="1600">
-                <a:latin typeface="Arial"/>
-                <a:ea typeface="Arial"/>
-                <a:cs typeface="Arial"/>
-                <a:sym typeface="Arial"/>
-              </a:rPr>
-              <a:t>Real-Time Applications</a:t>
-            </a:r>
-            <a:r>
-              <a:rPr lang="en" sz="1600">
-                <a:latin typeface="Arial"/>
-                <a:ea typeface="Arial"/>
-                <a:cs typeface="Arial"/>
-                <a:sym typeface="Arial"/>
-              </a:rPr>
-              <a:t>: Extend the model for real-time face recognition, integrating it into interactive or live systems for immediate feedback.</a:t>
-            </a:r>
-            <a:endParaRPr sz="1600">
-              <a:latin typeface="Arial"/>
-              <a:ea typeface="Arial"/>
-              <a:cs typeface="Arial"/>
-              <a:sym typeface="Arial"/>
-            </a:endParaRPr>
-          </a:p>
-          <a:p>
-            <a:pPr indent="0" lvl="0" marL="0" rtl="0" algn="l">
-              <a:spcBef>
-                <a:spcPts val="360"/>
-              </a:spcBef>
-              <a:spcAft>
-                <a:spcPts val="0"/>
-              </a:spcAft>
-              <a:buNone/>
-            </a:pPr>
-            <a:r>
-              <a:t/>
-            </a:r>
-            <a:endParaRPr b="1" sz="1100">
-              <a:latin typeface="Arial"/>
-              <a:ea typeface="Arial"/>
-              <a:cs typeface="Arial"/>
-              <a:sym typeface="Arial"/>
-            </a:endParaRPr>
-          </a:p>
-        </p:txBody>
-      </p:sp>
+      </p:pic>
+      <p:pic>
+        <p:nvPicPr>
+          <p:cNvPr id="161" name="Google Shape;161;p24"/>
+          <p:cNvPicPr preferRelativeResize="0"/>
+          <p:nvPr/>
+        </p:nvPicPr>
+        <p:blipFill>
+          <a:blip r:embed="rId4">
+            <a:alphaModFix/>
+          </a:blip>
+          <a:stretch>
+            <a:fillRect/>
+          </a:stretch>
+        </p:blipFill>
+        <p:spPr>
+          <a:xfrm>
+            <a:off x="4944196" y="946400"/>
+            <a:ext cx="3742605" cy="3648350"/>
+          </a:xfrm>
+          <a:prstGeom prst="rect">
+            <a:avLst/>
+          </a:prstGeom>
+          <a:noFill/>
+          <a:ln>
+            <a:noFill/>
+          </a:ln>
+        </p:spPr>
+      </p:pic>
     </p:spTree>
   </p:cSld>
   <p:clrMapOvr>
